--- a/Documentation/presentation/presentation.pptx
+++ b/Documentation/presentation/presentation.pptx
@@ -10,12 +10,16 @@
     <p:sldId id="261" r:id="rId4"/>
     <p:sldId id="258" r:id="rId5"/>
     <p:sldId id="259" r:id="rId6"/>
-    <p:sldId id="260" r:id="rId7"/>
+    <p:sldId id="268" r:id="rId7"/>
     <p:sldId id="262" r:id="rId8"/>
     <p:sldId id="263" r:id="rId9"/>
     <p:sldId id="265" r:id="rId10"/>
     <p:sldId id="266" r:id="rId11"/>
     <p:sldId id="267" r:id="rId12"/>
+    <p:sldId id="269" r:id="rId13"/>
+    <p:sldId id="270" r:id="rId14"/>
+    <p:sldId id="271" r:id="rId15"/>
+    <p:sldId id="272" r:id="rId16"/>
   </p:sldIdLst>
   <p:sldSz cx="12192000" cy="6858000"/>
   <p:notesSz cx="7559675" cy="10691813"/>
@@ -3317,8 +3321,8 @@
         </p:nvSpPr>
         <p:spPr>
           <a:xfrm>
-            <a:off x="1106640" y="1406264"/>
-            <a:ext cx="9978480" cy="2958840"/>
+            <a:off x="1106640" y="1262248"/>
+            <a:ext cx="9978480" cy="2382776"/>
           </a:xfrm>
           <a:prstGeom prst="rect">
             <a:avLst/>
@@ -3340,7 +3344,7 @@
                 </a:solidFill>
                 <a:latin typeface="Calibri Light"/>
               </a:rPr>
-              <a:t>Исследование методов множественного выравнивания нуклеотидных последовательностей в соответствии с рамкой считывания и стоп-кодонами</a:t>
+              <a:t>Множественное выравнивание кодирующих последовательностей с учётом сдвигов рамки считывания</a:t>
             </a:r>
             <a:endParaRPr sz="4800" dirty="0"/>
           </a:p>
@@ -3568,7 +3572,7 @@
         </p:nvSpPr>
         <p:spPr>
           <a:xfrm>
-            <a:off x="839416" y="620688"/>
+            <a:off x="786407" y="342393"/>
             <a:ext cx="10515240" cy="1325520"/>
           </a:xfrm>
         </p:spPr>
@@ -3649,6 +3653,658 @@
     <p:extLst>
       <p:ext uri="{BB962C8B-B14F-4D97-AF65-F5344CB8AC3E}">
         <p14:creationId xmlns:p14="http://schemas.microsoft.com/office/powerpoint/2010/main" val="1470218605"/>
+      </p:ext>
+    </p:extLst>
+  </p:cSld>
+  <p:clrMapOvr>
+    <a:masterClrMapping/>
+  </p:clrMapOvr>
+  <p:transition spd="slow">
+    <p:push dir="u"/>
+  </p:transition>
+  <p:timing>
+    <p:tnLst>
+      <p:par>
+        <p:cTn id="1" dur="indefinite" restart="never" nodeType="tmRoot"/>
+      </p:par>
+    </p:tnLst>
+  </p:timing>
+</p:sld>
+</file>
+
+<file path=ppt/slides/slide11.xml><?xml version="1.0" encoding="utf-8"?>
+<p:sld xmlns:a="http://schemas.openxmlformats.org/drawingml/2006/main" xmlns:r="http://schemas.openxmlformats.org/officeDocument/2006/relationships" xmlns:p="http://schemas.openxmlformats.org/presentationml/2006/main">
+  <p:cSld>
+    <p:spTree>
+      <p:nvGrpSpPr>
+        <p:cNvPr id="1" name=""/>
+        <p:cNvGrpSpPr/>
+        <p:nvPr/>
+      </p:nvGrpSpPr>
+      <p:grpSpPr>
+        <a:xfrm>
+          <a:off x="0" y="0"/>
+          <a:ext cx="0" cy="0"/>
+          <a:chOff x="0" y="0"/>
+          <a:chExt cx="0" cy="0"/>
+        </a:xfrm>
+      </p:grpSpPr>
+      <p:sp>
+        <p:nvSpPr>
+          <p:cNvPr id="2" name="Заголовок 1"/>
+          <p:cNvSpPr>
+            <a:spLocks noGrp="1"/>
+          </p:cNvSpPr>
+          <p:nvPr>
+            <p:ph type="title"/>
+          </p:nvPr>
+        </p:nvSpPr>
+        <p:spPr>
+          <a:xfrm>
+            <a:off x="838080" y="260648"/>
+            <a:ext cx="10515240" cy="1325520"/>
+          </a:xfrm>
+        </p:spPr>
+        <p:txBody>
+          <a:bodyPr/>
+          <a:lstStyle/>
+          <a:p>
+            <a:r>
+              <a:rPr lang="ru-RU" sz="4400" dirty="0" smtClean="0">
+                <a:latin typeface="Calibri" pitchFamily="34" charset="0"/>
+              </a:rPr>
+              <a:t>Трёхступенчатый подход</a:t>
+            </a:r>
+            <a:endParaRPr lang="ru-RU" sz="4400" dirty="0" smtClean="0">
+              <a:latin typeface="Calibri" pitchFamily="34" charset="0"/>
+            </a:endParaRPr>
+          </a:p>
+        </p:txBody>
+      </p:sp>
+      <p:sp>
+        <p:nvSpPr>
+          <p:cNvPr id="3" name="Текст 2"/>
+          <p:cNvSpPr>
+            <a:spLocks noGrp="1"/>
+          </p:cNvSpPr>
+          <p:nvPr>
+            <p:ph type="body"/>
+          </p:nvPr>
+        </p:nvSpPr>
+        <p:spPr>
+          <a:xfrm>
+            <a:off x="838080" y="1700808"/>
+            <a:ext cx="10515240" cy="4771792"/>
+          </a:xfrm>
+        </p:spPr>
+        <p:txBody>
+          <a:bodyPr/>
+          <a:lstStyle/>
+          <a:p>
+            <a:r>
+              <a:rPr lang="ru-RU" sz="2800" dirty="0" smtClean="0">
+                <a:latin typeface="Calibri" pitchFamily="34" charset="0"/>
+              </a:rPr>
+              <a:t>Идея алгоритма</a:t>
+            </a:r>
+          </a:p>
+          <a:p>
+            <a:pPr marL="457200" indent="-457200">
+              <a:buFont typeface="Arial" pitchFamily="34" charset="0"/>
+              <a:buChar char="•"/>
+            </a:pPr>
+            <a:r>
+              <a:rPr lang="ru-RU" sz="2800" dirty="0" smtClean="0">
+                <a:latin typeface="Calibri" pitchFamily="34" charset="0"/>
+              </a:rPr>
+              <a:t>Трансляция исходной последовательности нуклеотидов по всем возможным рамкам считывания</a:t>
+            </a:r>
+          </a:p>
+          <a:p>
+            <a:pPr marL="457200" indent="-457200">
+              <a:buFont typeface="Arial" pitchFamily="34" charset="0"/>
+              <a:buChar char="•"/>
+            </a:pPr>
+            <a:r>
+              <a:rPr lang="ru-RU" sz="2800" dirty="0" smtClean="0">
+                <a:latin typeface="Calibri" pitchFamily="34" charset="0"/>
+              </a:rPr>
+              <a:t>Выравнивание последовательности аминокислот </a:t>
+            </a:r>
+            <a:r>
+              <a:rPr lang="en-US" sz="2800" dirty="0" smtClean="0">
+                <a:latin typeface="Calibri" pitchFamily="34" charset="0"/>
+              </a:rPr>
+              <a:t>«</a:t>
+            </a:r>
+            <a:r>
+              <a:rPr lang="ru-RU" sz="2800" dirty="0" smtClean="0">
+                <a:latin typeface="Calibri" pitchFamily="34" charset="0"/>
+              </a:rPr>
+              <a:t>классическими» алгоритмами</a:t>
+            </a:r>
+          </a:p>
+          <a:p>
+            <a:pPr marL="457200" indent="-457200">
+              <a:buFont typeface="Arial" pitchFamily="34" charset="0"/>
+              <a:buChar char="•"/>
+            </a:pPr>
+            <a:r>
+              <a:rPr lang="ru-RU" sz="2800" dirty="0" smtClean="0">
+                <a:latin typeface="Calibri" pitchFamily="34" charset="0"/>
+              </a:rPr>
+              <a:t>Трансляция полученного белка обратно в последовательность нуклеотидов</a:t>
+            </a:r>
+          </a:p>
+          <a:p>
+            <a:r>
+              <a:rPr lang="ru-RU" sz="2800" dirty="0" smtClean="0">
+                <a:latin typeface="Calibri" pitchFamily="34" charset="0"/>
+              </a:rPr>
+              <a:t>Проблемы</a:t>
+            </a:r>
+          </a:p>
+          <a:p>
+            <a:pPr marL="457200" indent="-457200">
+              <a:buFont typeface="Arial" pitchFamily="34" charset="0"/>
+              <a:buChar char="•"/>
+            </a:pPr>
+            <a:r>
+              <a:rPr lang="ru-RU" sz="2800" dirty="0" smtClean="0">
+                <a:latin typeface="Calibri" pitchFamily="34" charset="0"/>
+              </a:rPr>
+              <a:t>Алгоритм не учитывает возможные изменения рамки считывания</a:t>
+            </a:r>
+          </a:p>
+          <a:p>
+            <a:pPr marL="457200" indent="-457200">
+              <a:buFont typeface="Arial" pitchFamily="34" charset="0"/>
+              <a:buChar char="•"/>
+            </a:pPr>
+            <a:r>
+              <a:rPr lang="ru-RU" sz="2800" dirty="0" smtClean="0">
+                <a:latin typeface="Calibri" pitchFamily="34" charset="0"/>
+              </a:rPr>
+              <a:t>Невозможность расширения до задачи множественного выравнивания</a:t>
+            </a:r>
+            <a:endParaRPr lang="en-US" sz="2800" dirty="0" smtClean="0">
+              <a:latin typeface="Calibri" pitchFamily="34" charset="0"/>
+            </a:endParaRPr>
+          </a:p>
+          <a:p>
+            <a:pPr marL="457200" indent="-457200">
+              <a:buFont typeface="Arial" pitchFamily="34" charset="0"/>
+              <a:buChar char="•"/>
+            </a:pPr>
+            <a:endParaRPr lang="ru-RU" sz="2800" dirty="0">
+              <a:latin typeface="Calibri" pitchFamily="34" charset="0"/>
+            </a:endParaRPr>
+          </a:p>
+        </p:txBody>
+      </p:sp>
+    </p:spTree>
+    <p:extLst>
+      <p:ext uri="{BB962C8B-B14F-4D97-AF65-F5344CB8AC3E}">
+        <p14:creationId xmlns:p14="http://schemas.microsoft.com/office/powerpoint/2010/main" val="2339780533"/>
+      </p:ext>
+    </p:extLst>
+  </p:cSld>
+  <p:clrMapOvr>
+    <a:masterClrMapping/>
+  </p:clrMapOvr>
+  <p:transition spd="slow">
+    <p:push dir="u"/>
+  </p:transition>
+  <p:timing>
+    <p:tnLst>
+      <p:par>
+        <p:cTn id="1" dur="indefinite" restart="never" nodeType="tmRoot"/>
+      </p:par>
+    </p:tnLst>
+  </p:timing>
+</p:sld>
+</file>
+
+<file path=ppt/slides/slide12.xml><?xml version="1.0" encoding="utf-8"?>
+<p:sld xmlns:a="http://schemas.openxmlformats.org/drawingml/2006/main" xmlns:r="http://schemas.openxmlformats.org/officeDocument/2006/relationships" xmlns:p="http://schemas.openxmlformats.org/presentationml/2006/main">
+  <p:cSld>
+    <p:spTree>
+      <p:nvGrpSpPr>
+        <p:cNvPr id="1" name=""/>
+        <p:cNvGrpSpPr/>
+        <p:nvPr/>
+      </p:nvGrpSpPr>
+      <p:grpSpPr>
+        <a:xfrm>
+          <a:off x="0" y="0"/>
+          <a:ext cx="0" cy="0"/>
+          <a:chOff x="0" y="0"/>
+          <a:chExt cx="0" cy="0"/>
+        </a:xfrm>
+      </p:grpSpPr>
+      <p:sp>
+        <p:nvSpPr>
+          <p:cNvPr id="2" name="Заголовок 1"/>
+          <p:cNvSpPr>
+            <a:spLocks noGrp="1"/>
+          </p:cNvSpPr>
+          <p:nvPr>
+            <p:ph type="title"/>
+          </p:nvPr>
+        </p:nvSpPr>
+        <p:spPr/>
+        <p:txBody>
+          <a:bodyPr/>
+          <a:lstStyle/>
+          <a:p>
+            <a:r>
+              <a:rPr lang="ru-RU" sz="4400" dirty="0" smtClean="0">
+                <a:latin typeface="Calibri" pitchFamily="34" charset="0"/>
+              </a:rPr>
+              <a:t>Двухуровневое выравнивание</a:t>
+            </a:r>
+            <a:endParaRPr lang="ru-RU" sz="4400" dirty="0">
+              <a:latin typeface="Calibri" pitchFamily="34" charset="0"/>
+            </a:endParaRPr>
+          </a:p>
+        </p:txBody>
+      </p:sp>
+      <p:sp>
+        <p:nvSpPr>
+          <p:cNvPr id="3" name="Текст 2"/>
+          <p:cNvSpPr>
+            <a:spLocks noGrp="1"/>
+          </p:cNvSpPr>
+          <p:nvPr>
+            <p:ph type="body"/>
+          </p:nvPr>
+        </p:nvSpPr>
+        <p:spPr/>
+        <p:txBody>
+          <a:bodyPr/>
+          <a:lstStyle/>
+          <a:p>
+            <a:r>
+              <a:rPr lang="ru-RU" sz="2800" dirty="0" smtClean="0">
+                <a:latin typeface="Calibri" pitchFamily="34" charset="0"/>
+              </a:rPr>
+              <a:t>Идея алгоритма</a:t>
+            </a:r>
+          </a:p>
+          <a:p>
+            <a:pPr marL="457200" indent="-457200">
+              <a:buFont typeface="Arial" pitchFamily="34" charset="0"/>
+              <a:buChar char="•"/>
+            </a:pPr>
+            <a:r>
+              <a:rPr lang="ru-RU" sz="2800" dirty="0">
+                <a:latin typeface="Calibri" pitchFamily="34" charset="0"/>
+              </a:rPr>
+              <a:t>штраф за выравнивание </a:t>
+            </a:r>
+            <a:r>
+              <a:rPr lang="ru-RU" sz="2800" dirty="0" smtClean="0">
+                <a:latin typeface="Calibri" pitchFamily="34" charset="0"/>
+              </a:rPr>
+              <a:t>является </a:t>
+            </a:r>
+            <a:r>
+              <a:rPr lang="ru-RU" sz="2800" dirty="0">
+                <a:latin typeface="Calibri" pitchFamily="34" charset="0"/>
+              </a:rPr>
+              <a:t>сочетанием двух штрафов: на аминокислотном и нуклеотидном </a:t>
+            </a:r>
+            <a:r>
+              <a:rPr lang="ru-RU" sz="2800" dirty="0" smtClean="0">
+                <a:latin typeface="Calibri" pitchFamily="34" charset="0"/>
+              </a:rPr>
+              <a:t>уровнях</a:t>
+            </a:r>
+            <a:endParaRPr lang="en-US" sz="2800" dirty="0" smtClean="0">
+              <a:latin typeface="Calibri" pitchFamily="34" charset="0"/>
+            </a:endParaRPr>
+          </a:p>
+          <a:p>
+            <a:pPr marL="457200" indent="-457200">
+              <a:buFont typeface="Arial" pitchFamily="34" charset="0"/>
+              <a:buChar char="•"/>
+            </a:pPr>
+            <a:r>
+              <a:rPr lang="ru-RU" sz="2800" dirty="0" err="1">
+                <a:latin typeface="Calibri" pitchFamily="34" charset="0"/>
+              </a:rPr>
+              <a:t>инсерции</a:t>
+            </a:r>
+            <a:r>
+              <a:rPr lang="ru-RU" sz="2800" dirty="0">
+                <a:latin typeface="Calibri" pitchFamily="34" charset="0"/>
+              </a:rPr>
+              <a:t> допустимы только на аминокислотном уровне (запрет на сдвиг рамки считывания)</a:t>
+            </a:r>
+            <a:endParaRPr lang="en-US" sz="2800" dirty="0" smtClean="0">
+              <a:latin typeface="Calibri" pitchFamily="34" charset="0"/>
+            </a:endParaRPr>
+          </a:p>
+          <a:p>
+            <a:endParaRPr lang="ru-RU" sz="2800" dirty="0" smtClean="0">
+              <a:latin typeface="Calibri" pitchFamily="34" charset="0"/>
+            </a:endParaRPr>
+          </a:p>
+          <a:p>
+            <a:r>
+              <a:rPr lang="ru-RU" sz="2800" dirty="0" smtClean="0">
+                <a:latin typeface="Calibri" pitchFamily="34" charset="0"/>
+              </a:rPr>
+              <a:t>Проблемы</a:t>
+            </a:r>
+          </a:p>
+          <a:p>
+            <a:pPr marL="457200" indent="-457200">
+              <a:buFont typeface="Arial" pitchFamily="34" charset="0"/>
+              <a:buChar char="•"/>
+            </a:pPr>
+            <a:r>
+              <a:rPr lang="ru-RU" sz="2800" dirty="0" smtClean="0">
+                <a:latin typeface="Calibri" pitchFamily="34" charset="0"/>
+              </a:rPr>
+              <a:t>Высокая вычислительная сложность</a:t>
+            </a:r>
+            <a:endParaRPr lang="en-US" sz="2800" dirty="0" smtClean="0">
+              <a:latin typeface="Calibri" pitchFamily="34" charset="0"/>
+            </a:endParaRPr>
+          </a:p>
+          <a:p>
+            <a:pPr marL="457200" indent="-457200">
+              <a:buFont typeface="Arial" pitchFamily="34" charset="0"/>
+              <a:buChar char="•"/>
+            </a:pPr>
+            <a:endParaRPr lang="ru-RU" sz="2800" dirty="0" smtClean="0">
+              <a:latin typeface="Calibri" pitchFamily="34" charset="0"/>
+            </a:endParaRPr>
+          </a:p>
+          <a:p>
+            <a:endParaRPr lang="ru-RU" sz="2800" dirty="0">
+              <a:latin typeface="Calibri" pitchFamily="34" charset="0"/>
+            </a:endParaRPr>
+          </a:p>
+        </p:txBody>
+      </p:sp>
+    </p:spTree>
+    <p:extLst>
+      <p:ext uri="{BB962C8B-B14F-4D97-AF65-F5344CB8AC3E}">
+        <p14:creationId xmlns:p14="http://schemas.microsoft.com/office/powerpoint/2010/main" val="3446944026"/>
+      </p:ext>
+    </p:extLst>
+  </p:cSld>
+  <p:clrMapOvr>
+    <a:masterClrMapping/>
+  </p:clrMapOvr>
+  <p:transition spd="slow">
+    <p:push dir="u"/>
+  </p:transition>
+  <p:timing>
+    <p:tnLst>
+      <p:par>
+        <p:cTn id="1" dur="indefinite" restart="never" nodeType="tmRoot"/>
+      </p:par>
+    </p:tnLst>
+  </p:timing>
+</p:sld>
+</file>
+
+<file path=ppt/slides/slide13.xml><?xml version="1.0" encoding="utf-8"?>
+<p:sld xmlns:a="http://schemas.openxmlformats.org/drawingml/2006/main" xmlns:r="http://schemas.openxmlformats.org/officeDocument/2006/relationships" xmlns:p="http://schemas.openxmlformats.org/presentationml/2006/main">
+  <p:cSld>
+    <p:spTree>
+      <p:nvGrpSpPr>
+        <p:cNvPr id="1" name=""/>
+        <p:cNvGrpSpPr/>
+        <p:nvPr/>
+      </p:nvGrpSpPr>
+      <p:grpSpPr>
+        <a:xfrm>
+          <a:off x="0" y="0"/>
+          <a:ext cx="0" cy="0"/>
+          <a:chOff x="0" y="0"/>
+          <a:chExt cx="0" cy="0"/>
+        </a:xfrm>
+      </p:grpSpPr>
+      <p:sp>
+        <p:nvSpPr>
+          <p:cNvPr id="2" name="Заголовок 1"/>
+          <p:cNvSpPr>
+            <a:spLocks noGrp="1"/>
+          </p:cNvSpPr>
+          <p:nvPr>
+            <p:ph type="title"/>
+          </p:nvPr>
+        </p:nvSpPr>
+        <p:spPr/>
+        <p:txBody>
+          <a:bodyPr/>
+          <a:lstStyle/>
+          <a:p>
+            <a:r>
+              <a:rPr lang="en-US" sz="4400" dirty="0" smtClean="0">
+                <a:latin typeface="Calibri" pitchFamily="34" charset="0"/>
+              </a:rPr>
+              <a:t>MACSE</a:t>
+            </a:r>
+            <a:endParaRPr lang="ru-RU" sz="4400" dirty="0"/>
+          </a:p>
+        </p:txBody>
+      </p:sp>
+      <p:sp>
+        <p:nvSpPr>
+          <p:cNvPr id="3" name="Текст 2"/>
+          <p:cNvSpPr>
+            <a:spLocks noGrp="1"/>
+          </p:cNvSpPr>
+          <p:nvPr>
+            <p:ph type="body"/>
+          </p:nvPr>
+        </p:nvSpPr>
+        <p:spPr>
+          <a:xfrm>
+            <a:off x="838080" y="1825560"/>
+            <a:ext cx="4681856" cy="4350960"/>
+          </a:xfrm>
+        </p:spPr>
+        <p:txBody>
+          <a:bodyPr/>
+          <a:lstStyle/>
+          <a:p>
+            <a:r>
+              <a:rPr lang="ru-RU" sz="2400" dirty="0" smtClean="0">
+                <a:latin typeface="Calibri" pitchFamily="34" charset="0"/>
+              </a:rPr>
+              <a:t>Алгоритм основан на идее двухуровневого выравнивания, но имеет меньшую вычислительную сложность и позволяет строить множественные выравнивания, с учетом открытых рамок считывания.</a:t>
+            </a:r>
+          </a:p>
+          <a:p>
+            <a:endParaRPr lang="ru-RU" sz="2400" dirty="0" smtClean="0">
+              <a:latin typeface="Calibri" pitchFamily="34" charset="0"/>
+            </a:endParaRPr>
+          </a:p>
+          <a:p>
+            <a:r>
+              <a:rPr lang="ru-RU" sz="2400" dirty="0">
+                <a:latin typeface="Calibri" pitchFamily="34" charset="0"/>
+              </a:rPr>
+              <a:t>MACSE производит выравнивание выравниваний, выбирая порядок через дерево-подсказку, как и алгоритм </a:t>
+            </a:r>
+            <a:r>
+              <a:rPr lang="ru-RU" sz="2400" dirty="0" err="1">
+                <a:latin typeface="Calibri" pitchFamily="34" charset="0"/>
+              </a:rPr>
+              <a:t>Clustal</a:t>
+            </a:r>
+            <a:r>
+              <a:rPr lang="ru-RU" sz="2400" dirty="0">
+                <a:latin typeface="Calibri" pitchFamily="34" charset="0"/>
+              </a:rPr>
+              <a:t>.</a:t>
+            </a:r>
+          </a:p>
+          <a:p>
+            <a:r>
+              <a:rPr lang="ru-RU" sz="2400" dirty="0" smtClean="0">
+                <a:latin typeface="Calibri" pitchFamily="34" charset="0"/>
+              </a:rPr>
+              <a:t> </a:t>
+            </a:r>
+            <a:endParaRPr lang="ru-RU" sz="2400" dirty="0">
+              <a:latin typeface="Calibri" pitchFamily="34" charset="0"/>
+            </a:endParaRPr>
+          </a:p>
+        </p:txBody>
+      </p:sp>
+      <p:pic>
+        <p:nvPicPr>
+          <p:cNvPr id="2050" name="Picture 2"/>
+          <p:cNvPicPr>
+            <a:picLocks noChangeAspect="1" noChangeArrowheads="1"/>
+          </p:cNvPicPr>
+          <p:nvPr/>
+        </p:nvPicPr>
+        <p:blipFill>
+          <a:blip r:embed="rId2">
+            <a:extLst>
+              <a:ext uri="{28A0092B-C50C-407E-A947-70E740481C1C}">
+                <a14:useLocalDpi xmlns:a14="http://schemas.microsoft.com/office/drawing/2010/main" val="0"/>
+              </a:ext>
+            </a:extLst>
+          </a:blip>
+          <a:srcRect/>
+          <a:stretch>
+            <a:fillRect/>
+          </a:stretch>
+        </p:blipFill>
+        <p:spPr bwMode="auto">
+          <a:xfrm>
+            <a:off x="5735960" y="1196752"/>
+            <a:ext cx="5976664" cy="5149536"/>
+          </a:xfrm>
+          <a:prstGeom prst="rect">
+            <a:avLst/>
+          </a:prstGeom>
+          <a:noFill/>
+          <a:ln>
+            <a:noFill/>
+          </a:ln>
+          <a:effectLst/>
+          <a:extLst>
+            <a:ext uri="{909E8E84-426E-40DD-AFC4-6F175D3DCCD1}">
+              <a14:hiddenFill xmlns:a14="http://schemas.microsoft.com/office/drawing/2010/main">
+                <a:solidFill>
+                  <a:schemeClr val="accent1"/>
+                </a:solidFill>
+              </a14:hiddenFill>
+            </a:ext>
+            <a:ext uri="{91240B29-F687-4F45-9708-019B960494DF}">
+              <a14:hiddenLine xmlns:a14="http://schemas.microsoft.com/office/drawing/2010/main" w="9525">
+                <a:solidFill>
+                  <a:schemeClr val="tx1"/>
+                </a:solidFill>
+                <a:miter lim="800000"/>
+                <a:headEnd/>
+                <a:tailEnd/>
+              </a14:hiddenLine>
+            </a:ext>
+            <a:ext uri="{AF507438-7753-43E0-B8FC-AC1667EBCBE1}">
+              <a14:hiddenEffects xmlns:a14="http://schemas.microsoft.com/office/drawing/2010/main">
+                <a:effectLst>
+                  <a:outerShdw dist="35921" dir="2700000" algn="ctr" rotWithShape="0">
+                    <a:schemeClr val="bg2"/>
+                  </a:outerShdw>
+                </a:effectLst>
+              </a14:hiddenEffects>
+            </a:ext>
+          </a:extLst>
+        </p:spPr>
+      </p:pic>
+    </p:spTree>
+    <p:extLst>
+      <p:ext uri="{BB962C8B-B14F-4D97-AF65-F5344CB8AC3E}">
+        <p14:creationId xmlns:p14="http://schemas.microsoft.com/office/powerpoint/2010/main" val="3270278058"/>
+      </p:ext>
+    </p:extLst>
+  </p:cSld>
+  <p:clrMapOvr>
+    <a:masterClrMapping/>
+  </p:clrMapOvr>
+  <p:transition spd="slow">
+    <p:push dir="u"/>
+  </p:transition>
+  <p:timing>
+    <p:tnLst>
+      <p:par>
+        <p:cTn id="1" dur="indefinite" restart="never" nodeType="tmRoot"/>
+      </p:par>
+    </p:tnLst>
+  </p:timing>
+</p:sld>
+</file>
+
+<file path=ppt/slides/slide14.xml><?xml version="1.0" encoding="utf-8"?>
+<p:sld xmlns:a="http://schemas.openxmlformats.org/drawingml/2006/main" xmlns:r="http://schemas.openxmlformats.org/officeDocument/2006/relationships" xmlns:p="http://schemas.openxmlformats.org/presentationml/2006/main">
+  <p:cSld>
+    <p:spTree>
+      <p:nvGrpSpPr>
+        <p:cNvPr id="1" name=""/>
+        <p:cNvGrpSpPr/>
+        <p:nvPr/>
+      </p:nvGrpSpPr>
+      <p:grpSpPr>
+        <a:xfrm>
+          <a:off x="0" y="0"/>
+          <a:ext cx="0" cy="0"/>
+          <a:chOff x="0" y="0"/>
+          <a:chExt cx="0" cy="0"/>
+        </a:xfrm>
+      </p:grpSpPr>
+      <p:sp>
+        <p:nvSpPr>
+          <p:cNvPr id="2" name="Заголовок 1"/>
+          <p:cNvSpPr>
+            <a:spLocks noGrp="1"/>
+          </p:cNvSpPr>
+          <p:nvPr>
+            <p:ph type="title"/>
+          </p:nvPr>
+        </p:nvSpPr>
+        <p:spPr/>
+        <p:txBody>
+          <a:bodyPr/>
+          <a:lstStyle/>
+          <a:p>
+            <a:endParaRPr lang="ru-RU" dirty="0"/>
+          </a:p>
+        </p:txBody>
+      </p:sp>
+      <p:sp>
+        <p:nvSpPr>
+          <p:cNvPr id="3" name="Текст 2"/>
+          <p:cNvSpPr>
+            <a:spLocks noGrp="1"/>
+          </p:cNvSpPr>
+          <p:nvPr>
+            <p:ph type="body"/>
+          </p:nvPr>
+        </p:nvSpPr>
+        <p:spPr/>
+        <p:txBody>
+          <a:bodyPr/>
+          <a:lstStyle/>
+          <a:p>
+            <a:endParaRPr lang="ru-RU"/>
+          </a:p>
+        </p:txBody>
+      </p:sp>
+    </p:spTree>
+    <p:extLst>
+      <p:ext uri="{BB962C8B-B14F-4D97-AF65-F5344CB8AC3E}">
+        <p14:creationId xmlns:p14="http://schemas.microsoft.com/office/powerpoint/2010/main" val="1136201911"/>
       </p:ext>
     </p:extLst>
   </p:cSld>
@@ -4695,6 +5351,12 @@
           <a:lstStyle/>
           <a:p>
             <a:pPr algn="ctr"/>
+            <a:endParaRPr lang="ru-RU" sz="2800" dirty="0" smtClean="0">
+              <a:latin typeface="Calibri" pitchFamily="34" charset="0"/>
+            </a:endParaRPr>
+          </a:p>
+          <a:p>
+            <a:pPr algn="ctr"/>
             <a:r>
               <a:rPr lang="ru-RU" sz="2800" dirty="0" smtClean="0">
                 <a:latin typeface="Calibri" pitchFamily="34" charset="0"/>
@@ -5119,7 +5781,32 @@
       </p:grpSpPr>
       <p:sp>
         <p:nvSpPr>
-          <p:cNvPr id="9" name="Текст 8"/>
+          <p:cNvPr id="2" name="Заголовок 1"/>
+          <p:cNvSpPr>
+            <a:spLocks noGrp="1"/>
+          </p:cNvSpPr>
+          <p:nvPr>
+            <p:ph type="title"/>
+          </p:nvPr>
+        </p:nvSpPr>
+        <p:spPr/>
+        <p:txBody>
+          <a:bodyPr/>
+          <a:lstStyle/>
+          <a:p>
+            <a:r>
+              <a:rPr lang="ru-RU" sz="4400" dirty="0" smtClean="0">
+                <a:latin typeface="Calibri" pitchFamily="34" charset="0"/>
+              </a:rPr>
+              <a:t>Классические методы поиска гомологий</a:t>
+            </a:r>
+            <a:endParaRPr lang="ru-RU" sz="4400" dirty="0"/>
+          </a:p>
+        </p:txBody>
+      </p:sp>
+      <p:sp>
+        <p:nvSpPr>
+          <p:cNvPr id="3" name="Текст 2"/>
           <p:cNvSpPr>
             <a:spLocks noGrp="1"/>
           </p:cNvSpPr>
@@ -5233,42 +5920,18 @@
               <a:buFont typeface="Arial" pitchFamily="34" charset="0"/>
               <a:buChar char="•"/>
             </a:pPr>
-            <a:endParaRPr lang="ru-RU" sz="2800" dirty="0">
+            <a:endParaRPr lang="ru-RU" sz="2800" dirty="0" smtClean="0">
               <a:latin typeface="Calibri" pitchFamily="34" charset="0"/>
             </a:endParaRPr>
           </a:p>
-        </p:txBody>
-      </p:sp>
-      <p:sp>
-        <p:nvSpPr>
-          <p:cNvPr id="7" name="Заголовок 6"/>
-          <p:cNvSpPr>
-            <a:spLocks noGrp="1"/>
-          </p:cNvSpPr>
-          <p:nvPr>
-            <p:ph type="title"/>
-          </p:nvPr>
-        </p:nvSpPr>
-        <p:spPr/>
-        <p:txBody>
-          <a:bodyPr/>
-          <a:lstStyle/>
-          <a:p>
-            <a:r>
-              <a:rPr lang="ru-RU" sz="4400" dirty="0" smtClean="0">
-                <a:latin typeface="Calibri" pitchFamily="34" charset="0"/>
-              </a:rPr>
-              <a:t>Классические методы поиска гомологий</a:t>
-            </a:r>
-            <a:endParaRPr lang="ru-RU" sz="4400" dirty="0">
-              <a:latin typeface="Calibri" pitchFamily="34" charset="0"/>
-            </a:endParaRPr>
-          </a:p>
-        </p:txBody>
-      </p:sp>
-      <p:sp>
-        <p:nvSpPr>
-          <p:cNvPr id="8" name="Текст 7"/>
+          <a:p>
+            <a:endParaRPr lang="ru-RU" sz="2800" dirty="0"/>
+          </a:p>
+        </p:txBody>
+      </p:sp>
+      <p:sp>
+        <p:nvSpPr>
+          <p:cNvPr id="4" name="Текст 3"/>
           <p:cNvSpPr>
             <a:spLocks noGrp="1"/>
           </p:cNvSpPr>
@@ -5373,16 +6036,19 @@
               </a:rPr>
               <a:t>))</a:t>
             </a:r>
-            <a:endParaRPr lang="ru-RU" sz="2800" dirty="0">
+            <a:endParaRPr lang="ru-RU" sz="2800" dirty="0" smtClean="0">
               <a:latin typeface="Calibri" pitchFamily="34" charset="0"/>
             </a:endParaRPr>
+          </a:p>
+          <a:p>
+            <a:endParaRPr lang="ru-RU" sz="2800" dirty="0"/>
           </a:p>
         </p:txBody>
       </p:sp>
     </p:spTree>
     <p:extLst>
       <p:ext uri="{BB962C8B-B14F-4D97-AF65-F5344CB8AC3E}">
-        <p14:creationId xmlns:p14="http://schemas.microsoft.com/office/powerpoint/2010/main" val="1630370425"/>
+        <p14:creationId xmlns:p14="http://schemas.microsoft.com/office/powerpoint/2010/main" val="1545227003"/>
       </p:ext>
     </p:extLst>
   </p:cSld>
@@ -5493,59 +6159,164 @@
               <a:buFont typeface="Arial" pitchFamily="34" charset="0"/>
               <a:buChar char="•"/>
             </a:pPr>
-            <a:r>
-              <a:rPr lang="en-US" sz="2800" dirty="0" smtClean="0">
-                <a:latin typeface="Calibri" pitchFamily="34" charset="0"/>
-              </a:rPr>
-              <a:t>S(</a:t>
-            </a:r>
-            <a:r>
-              <a:rPr lang="en-US" sz="2800" dirty="0" err="1" smtClean="0">
-                <a:latin typeface="Calibri" pitchFamily="34" charset="0"/>
-              </a:rPr>
-              <a:t>a,b</a:t>
-            </a:r>
-            <a:r>
-              <a:rPr lang="en-US" sz="2800" dirty="0" smtClean="0">
-                <a:latin typeface="Calibri" pitchFamily="34" charset="0"/>
-              </a:rPr>
-              <a:t>) –</a:t>
-            </a:r>
-            <a:r>
-              <a:rPr lang="ru-RU" sz="2800" dirty="0" smtClean="0">
-                <a:latin typeface="Calibri" pitchFamily="34" charset="0"/>
-              </a:rPr>
-              <a:t> похожесть символов </a:t>
-            </a:r>
-            <a:r>
-              <a:rPr lang="en-US" sz="2800" dirty="0" smtClean="0">
-                <a:latin typeface="Calibri" pitchFamily="34" charset="0"/>
-              </a:rPr>
-              <a:t>a </a:t>
-            </a:r>
-            <a:r>
-              <a:rPr lang="ru-RU" sz="2800" dirty="0" smtClean="0">
-                <a:latin typeface="Calibri" pitchFamily="34" charset="0"/>
-              </a:rPr>
-              <a:t>и </a:t>
-            </a:r>
-            <a:r>
-              <a:rPr lang="en-US" sz="2800" dirty="0" smtClean="0">
-                <a:latin typeface="Calibri" pitchFamily="34" charset="0"/>
-              </a:rPr>
-              <a:t>b</a:t>
-            </a:r>
+            <a:endParaRPr lang="en-US" sz="2800" dirty="0" smtClean="0">
+              <a:latin typeface="Calibri" pitchFamily="34" charset="0"/>
+            </a:endParaRPr>
           </a:p>
           <a:p>
             <a:pPr marL="285750" indent="-285750">
               <a:buFont typeface="Arial" pitchFamily="34" charset="0"/>
               <a:buChar char="•"/>
             </a:pPr>
+            <a:endParaRPr lang="en-US" sz="2800" dirty="0">
+              <a:latin typeface="Calibri" pitchFamily="34" charset="0"/>
+            </a:endParaRPr>
+          </a:p>
+          <a:p>
+            <a:pPr marL="285750" indent="-285750">
+              <a:buFont typeface="Arial" pitchFamily="34" charset="0"/>
+              <a:buChar char="•"/>
+            </a:pPr>
+            <a:endParaRPr lang="en-US" sz="2800" dirty="0" smtClean="0">
+              <a:latin typeface="Calibri" pitchFamily="34" charset="0"/>
+            </a:endParaRPr>
+          </a:p>
+          <a:p>
+            <a:pPr marL="285750" indent="-285750">
+              <a:buFont typeface="Arial" pitchFamily="34" charset="0"/>
+              <a:buChar char="•"/>
+            </a:pPr>
+            <a:endParaRPr lang="en-US" sz="2800" dirty="0">
+              <a:latin typeface="Calibri" pitchFamily="34" charset="0"/>
+            </a:endParaRPr>
+          </a:p>
+          <a:p>
+            <a:pPr marL="285750" indent="-285750">
+              <a:buFont typeface="Arial" pitchFamily="34" charset="0"/>
+              <a:buChar char="•"/>
+            </a:pPr>
+            <a:endParaRPr lang="en-US" sz="2800" dirty="0" smtClean="0">
+              <a:latin typeface="Calibri" pitchFamily="34" charset="0"/>
+            </a:endParaRPr>
+          </a:p>
+          <a:p>
+            <a:pPr marL="285750" indent="-285750">
+              <a:buFont typeface="Arial" pitchFamily="34" charset="0"/>
+              <a:buChar char="•"/>
+            </a:pPr>
+            <a:endParaRPr lang="en-US" sz="2800" dirty="0">
+              <a:latin typeface="Calibri" pitchFamily="34" charset="0"/>
+            </a:endParaRPr>
+          </a:p>
+          <a:p>
+            <a:pPr marL="285750" indent="-285750">
+              <a:buFont typeface="Arial" pitchFamily="34" charset="0"/>
+              <a:buChar char="•"/>
+            </a:pPr>
+            <a:endParaRPr lang="en-US" sz="2800" dirty="0" smtClean="0">
+              <a:latin typeface="Calibri" pitchFamily="34" charset="0"/>
+            </a:endParaRPr>
+          </a:p>
+          <a:p>
+            <a:pPr marL="285750" indent="-285750">
+              <a:buFont typeface="Arial" pitchFamily="34" charset="0"/>
+              <a:buChar char="•"/>
+            </a:pPr>
+            <a:endParaRPr lang="en-US" sz="2800" dirty="0">
+              <a:latin typeface="Calibri" pitchFamily="34" charset="0"/>
+            </a:endParaRPr>
+          </a:p>
+          <a:p>
+            <a:pPr marL="285750" indent="-285750">
+              <a:buFont typeface="Arial" pitchFamily="34" charset="0"/>
+              <a:buChar char="•"/>
+            </a:pPr>
+            <a:endParaRPr lang="en-US" sz="2800" dirty="0" smtClean="0">
+              <a:latin typeface="Calibri" pitchFamily="34" charset="0"/>
+            </a:endParaRPr>
+          </a:p>
+          <a:p>
+            <a:pPr marL="285750" indent="-285750">
+              <a:buFont typeface="Arial" pitchFamily="34" charset="0"/>
+              <a:buChar char="•"/>
+            </a:pPr>
+            <a:endParaRPr lang="en-US" sz="2800" dirty="0">
+              <a:latin typeface="Calibri" pitchFamily="34" charset="0"/>
+            </a:endParaRPr>
+          </a:p>
+          <a:p>
+            <a:pPr marL="285750" indent="-285750">
+              <a:buFont typeface="Arial" pitchFamily="34" charset="0"/>
+              <a:buChar char="•"/>
+            </a:pPr>
+            <a:endParaRPr lang="en-US" sz="2800" dirty="0" smtClean="0">
+              <a:latin typeface="Calibri" pitchFamily="34" charset="0"/>
+            </a:endParaRPr>
+          </a:p>
+          <a:p>
+            <a:pPr marL="285750" indent="-285750">
+              <a:buFont typeface="Arial" pitchFamily="34" charset="0"/>
+              <a:buChar char="•"/>
+            </a:pPr>
+            <a:r>
+              <a:rPr lang="en-US" sz="2800" dirty="0" smtClean="0">
+                <a:latin typeface="Calibri" pitchFamily="34" charset="0"/>
+              </a:rPr>
+              <a:t>S(</a:t>
+            </a:r>
+            <a:r>
+              <a:rPr lang="en-US" sz="2800" dirty="0" err="1" smtClean="0">
+                <a:latin typeface="Calibri" pitchFamily="34" charset="0"/>
+              </a:rPr>
+              <a:t>a,b</a:t>
+            </a:r>
+            <a:r>
+              <a:rPr lang="en-US" sz="2800" dirty="0" smtClean="0">
+                <a:latin typeface="Calibri" pitchFamily="34" charset="0"/>
+              </a:rPr>
+              <a:t>) –</a:t>
+            </a:r>
             <a:r>
               <a:rPr lang="ru-RU" sz="2800" dirty="0" smtClean="0">
                 <a:latin typeface="Calibri" pitchFamily="34" charset="0"/>
               </a:rPr>
-              <a:t>Линейный штраф за разрыв </a:t>
+              <a:t> похожесть символов </a:t>
+            </a:r>
+            <a:r>
+              <a:rPr lang="en-US" sz="2800" dirty="0" smtClean="0">
+                <a:latin typeface="Calibri" pitchFamily="34" charset="0"/>
+              </a:rPr>
+              <a:t>a </a:t>
+            </a:r>
+            <a:r>
+              <a:rPr lang="ru-RU" sz="2800" dirty="0" smtClean="0">
+                <a:latin typeface="Calibri" pitchFamily="34" charset="0"/>
+              </a:rPr>
+              <a:t>и </a:t>
+            </a:r>
+            <a:r>
+              <a:rPr lang="en-US" sz="2800" dirty="0" smtClean="0">
+                <a:latin typeface="Calibri" pitchFamily="34" charset="0"/>
+              </a:rPr>
+              <a:t>b</a:t>
+            </a:r>
+          </a:p>
+          <a:p>
+            <a:pPr marL="285750" indent="-285750">
+              <a:buFont typeface="Arial" pitchFamily="34" charset="0"/>
+              <a:buChar char="•"/>
+            </a:pPr>
+            <a:r>
+              <a:rPr lang="ru-RU" sz="2800" dirty="0" smtClean="0">
+                <a:latin typeface="Calibri" pitchFamily="34" charset="0"/>
+              </a:rPr>
+              <a:t>Линейный </a:t>
+            </a:r>
+            <a:r>
+              <a:rPr lang="ru-RU" sz="2800" dirty="0" smtClean="0">
+                <a:latin typeface="Calibri" pitchFamily="34" charset="0"/>
+              </a:rPr>
+              <a:t>штраф за разрыв </a:t>
             </a:r>
             <a:r>
               <a:rPr lang="en-US" sz="2800" dirty="0" smtClean="0">
@@ -5566,7 +6337,13 @@
               <a:rPr lang="ru-RU" sz="2800" dirty="0" smtClean="0">
                 <a:latin typeface="Calibri" pitchFamily="34" charset="0"/>
               </a:rPr>
-              <a:t>Базис:</a:t>
+              <a:t>Базис</a:t>
+            </a:r>
+            <a:r>
+              <a:rPr lang="ru-RU" sz="2800" dirty="0" smtClean="0">
+                <a:latin typeface="Calibri" pitchFamily="34" charset="0"/>
+              </a:rPr>
+              <a:t>:</a:t>
             </a:r>
           </a:p>
           <a:p>

--- a/Documentation/presentation/presentation.pptx
+++ b/Documentation/presentation/presentation.pptx
@@ -20,6 +20,10 @@
     <p:sldId id="270" r:id="rId14"/>
     <p:sldId id="271" r:id="rId15"/>
     <p:sldId id="272" r:id="rId16"/>
+    <p:sldId id="273" r:id="rId17"/>
+    <p:sldId id="274" r:id="rId18"/>
+    <p:sldId id="275" r:id="rId19"/>
+    <p:sldId id="276" r:id="rId20"/>
   </p:sldIdLst>
   <p:sldSz cx="12192000" cy="6858000"/>
   <p:notesSz cx="7559675" cy="10691813"/>
@@ -3321,7 +3325,7 @@
         </p:nvSpPr>
         <p:spPr>
           <a:xfrm>
-            <a:off x="1106640" y="1262248"/>
+            <a:off x="1106640" y="1340768"/>
             <a:ext cx="9978480" cy="2382776"/>
           </a:xfrm>
           <a:prstGeom prst="rect">
@@ -3549,14 +3553,23 @@
         <p:spPr>
           <a:xfrm>
             <a:off x="838080" y="2492896"/>
-            <a:ext cx="10515240" cy="3683624"/>
+            <a:ext cx="5113904" cy="2664296"/>
           </a:xfrm>
         </p:spPr>
         <p:txBody>
           <a:bodyPr/>
           <a:lstStyle/>
           <a:p>
-            <a:endParaRPr lang="ru-RU" dirty="0"/>
+            <a:pPr algn="l"/>
+            <a:r>
+              <a:rPr lang="ru-RU" sz="2800" dirty="0" smtClean="0">
+                <a:latin typeface="Calibri" pitchFamily="34" charset="0"/>
+              </a:rPr>
+              <a:t>Открытая рамка считывания (ОРС) - нуклеотидная последовательность нуклеиновой кислоты (ДНК или РНК), потенциально способная кодировать белок.</a:t>
+            </a:r>
+            <a:endParaRPr lang="ru-RU" sz="2800" dirty="0">
+              <a:latin typeface="Calibri" pitchFamily="34" charset="0"/>
+            </a:endParaRPr>
           </a:p>
         </p:txBody>
       </p:sp>
@@ -3631,8 +3644,8 @@
         </p:blipFill>
         <p:spPr bwMode="auto">
           <a:xfrm>
-            <a:off x="2495600" y="1988840"/>
-            <a:ext cx="6681192" cy="4471259"/>
+            <a:off x="6168008" y="2492896"/>
+            <a:ext cx="5256584" cy="3517868"/>
           </a:xfrm>
           <a:prstGeom prst="rect">
             <a:avLst/>
@@ -3715,9 +3728,6 @@
               </a:rPr>
               <a:t>Трёхступенчатый подход</a:t>
             </a:r>
-            <a:endParaRPr lang="ru-RU" sz="4400" dirty="0" smtClean="0">
-              <a:latin typeface="Calibri" pitchFamily="34" charset="0"/>
-            </a:endParaRPr>
           </a:p>
         </p:txBody>
       </p:sp>
@@ -3884,33 +3894,6 @@
       </p:grpSpPr>
       <p:sp>
         <p:nvSpPr>
-          <p:cNvPr id="2" name="Заголовок 1"/>
-          <p:cNvSpPr>
-            <a:spLocks noGrp="1"/>
-          </p:cNvSpPr>
-          <p:nvPr>
-            <p:ph type="title"/>
-          </p:nvPr>
-        </p:nvSpPr>
-        <p:spPr/>
-        <p:txBody>
-          <a:bodyPr/>
-          <a:lstStyle/>
-          <a:p>
-            <a:r>
-              <a:rPr lang="ru-RU" sz="4400" dirty="0" smtClean="0">
-                <a:latin typeface="Calibri" pitchFamily="34" charset="0"/>
-              </a:rPr>
-              <a:t>Двухуровневое выравнивание</a:t>
-            </a:r>
-            <a:endParaRPr lang="ru-RU" sz="4400" dirty="0">
-              <a:latin typeface="Calibri" pitchFamily="34" charset="0"/>
-            </a:endParaRPr>
-          </a:p>
-        </p:txBody>
-      </p:sp>
-      <p:sp>
-        <p:nvSpPr>
           <p:cNvPr id="3" name="Текст 2"/>
           <p:cNvSpPr>
             <a:spLocks noGrp="1"/>
@@ -4024,6 +4007,33 @@
           </a:p>
           <a:p>
             <a:endParaRPr lang="ru-RU" sz="2800" dirty="0">
+              <a:latin typeface="Calibri" pitchFamily="34" charset="0"/>
+            </a:endParaRPr>
+          </a:p>
+        </p:txBody>
+      </p:sp>
+      <p:sp>
+        <p:nvSpPr>
+          <p:cNvPr id="2" name="Заголовок 1"/>
+          <p:cNvSpPr>
+            <a:spLocks noGrp="1"/>
+          </p:cNvSpPr>
+          <p:nvPr>
+            <p:ph type="title"/>
+          </p:nvPr>
+        </p:nvSpPr>
+        <p:spPr/>
+        <p:txBody>
+          <a:bodyPr/>
+          <a:lstStyle/>
+          <a:p>
+            <a:r>
+              <a:rPr lang="ru-RU" sz="4400" dirty="0" smtClean="0">
+                <a:latin typeface="Calibri" pitchFamily="34" charset="0"/>
+              </a:rPr>
+              <a:t>Двухуровневое выравнивание</a:t>
+            </a:r>
+            <a:endParaRPr lang="ru-RU" sz="4400" dirty="0">
               <a:latin typeface="Calibri" pitchFamily="34" charset="0"/>
             </a:endParaRPr>
           </a:p>
@@ -4265,7 +4275,26 @@
       </p:grpSpPr>
       <p:sp>
         <p:nvSpPr>
-          <p:cNvPr id="2" name="Заголовок 1"/>
+          <p:cNvPr id="5" name="Текст 4"/>
+          <p:cNvSpPr>
+            <a:spLocks noGrp="1"/>
+          </p:cNvSpPr>
+          <p:nvPr>
+            <p:ph type="body"/>
+          </p:nvPr>
+        </p:nvSpPr>
+        <p:spPr/>
+        <p:txBody>
+          <a:bodyPr/>
+          <a:lstStyle/>
+          <a:p>
+            <a:endParaRPr lang="ru-RU" dirty="0"/>
+          </a:p>
+        </p:txBody>
+      </p:sp>
+      <p:sp>
+        <p:nvSpPr>
+          <p:cNvPr id="4" name="Заголовок 3"/>
           <p:cNvSpPr>
             <a:spLocks noGrp="1"/>
           </p:cNvSpPr>
@@ -4278,29 +4307,886 @@
           <a:bodyPr/>
           <a:lstStyle/>
           <a:p>
+            <a:r>
+              <a:rPr lang="ru-RU" sz="4400" dirty="0" smtClean="0">
+                <a:latin typeface="Calibri" pitchFamily="34" charset="0"/>
+              </a:rPr>
+              <a:t>Общая схема работы алгоритма</a:t>
+            </a:r>
+            <a:endParaRPr lang="ru-RU" sz="4400" dirty="0">
+              <a:latin typeface="Calibri" pitchFamily="34" charset="0"/>
+            </a:endParaRPr>
+          </a:p>
+        </p:txBody>
+      </p:sp>
+      <p:sp>
+        <p:nvSpPr>
+          <p:cNvPr id="12" name="Блок-схема: несколько документов 11"/>
+          <p:cNvSpPr/>
+          <p:nvPr/>
+        </p:nvSpPr>
+        <p:spPr>
+          <a:xfrm>
+            <a:off x="983432" y="1951966"/>
+            <a:ext cx="2520280" cy="1152128"/>
+          </a:xfrm>
+          <a:prstGeom prst="flowChartMultidocument">
+            <a:avLst/>
+          </a:prstGeom>
+        </p:spPr>
+        <p:style>
+          <a:lnRef idx="2">
+            <a:schemeClr val="dk1"/>
+          </a:lnRef>
+          <a:fillRef idx="1">
+            <a:schemeClr val="lt1"/>
+          </a:fillRef>
+          <a:effectRef idx="0">
+            <a:schemeClr val="dk1"/>
+          </a:effectRef>
+          <a:fontRef idx="minor">
+            <a:schemeClr val="dk1"/>
+          </a:fontRef>
+        </p:style>
+        <p:txBody>
+          <a:bodyPr rtlCol="0" anchor="ctr"/>
+          <a:lstStyle/>
+          <a:p>
+            <a:pPr algn="ctr"/>
+            <a:endParaRPr lang="ru-RU"/>
+          </a:p>
+        </p:txBody>
+      </p:sp>
+      <p:sp>
+        <p:nvSpPr>
+          <p:cNvPr id="13" name="TextBox 12"/>
+          <p:cNvSpPr txBox="1"/>
+          <p:nvPr/>
+        </p:nvSpPr>
+        <p:spPr>
+          <a:xfrm>
+            <a:off x="983432" y="2204864"/>
+            <a:ext cx="2140632" cy="646331"/>
+          </a:xfrm>
+          <a:prstGeom prst="rect">
+            <a:avLst/>
+          </a:prstGeom>
+          <a:noFill/>
+        </p:spPr>
+        <p:txBody>
+          <a:bodyPr wrap="square" rtlCol="0">
+            <a:spAutoFit/>
+          </a:bodyPr>
+          <a:lstStyle/>
+          <a:p>
+            <a:r>
+              <a:rPr lang="ru-RU" dirty="0" smtClean="0"/>
+              <a:t>Входные данные</a:t>
+            </a:r>
+          </a:p>
+          <a:p>
+            <a:r>
+              <a:rPr lang="ru-RU" dirty="0" smtClean="0"/>
+              <a:t>(</a:t>
+            </a:r>
+            <a:r>
+              <a:rPr lang="en-US" dirty="0" err="1" smtClean="0"/>
+              <a:t>sequences.fasta</a:t>
+            </a:r>
+            <a:r>
+              <a:rPr lang="ru-RU" dirty="0" smtClean="0"/>
+              <a:t>)</a:t>
+            </a:r>
             <a:endParaRPr lang="ru-RU" dirty="0"/>
           </a:p>
         </p:txBody>
       </p:sp>
       <p:sp>
         <p:nvSpPr>
-          <p:cNvPr id="3" name="Текст 2"/>
-          <p:cNvSpPr>
-            <a:spLocks noGrp="1"/>
-          </p:cNvSpPr>
-          <p:nvPr>
-            <p:ph type="body"/>
-          </p:nvPr>
-        </p:nvSpPr>
-        <p:spPr/>
-        <p:txBody>
-          <a:bodyPr/>
-          <a:lstStyle/>
-          <a:p>
+          <p:cNvPr id="14" name="Блок-схема: данные 13"/>
+          <p:cNvSpPr/>
+          <p:nvPr/>
+        </p:nvSpPr>
+        <p:spPr>
+          <a:xfrm>
+            <a:off x="4151784" y="2206605"/>
+            <a:ext cx="2880320" cy="646331"/>
+          </a:xfrm>
+          <a:prstGeom prst="flowChartInputOutput">
+            <a:avLst/>
+          </a:prstGeom>
+        </p:spPr>
+        <p:style>
+          <a:lnRef idx="2">
+            <a:schemeClr val="dk1"/>
+          </a:lnRef>
+          <a:fillRef idx="1">
+            <a:schemeClr val="lt1"/>
+          </a:fillRef>
+          <a:effectRef idx="0">
+            <a:schemeClr val="dk1"/>
+          </a:effectRef>
+          <a:fontRef idx="minor">
+            <a:schemeClr val="dk1"/>
+          </a:fontRef>
+        </p:style>
+        <p:txBody>
+          <a:bodyPr rtlCol="0" anchor="ctr"/>
+          <a:lstStyle/>
+          <a:p>
+            <a:pPr algn="ctr"/>
             <a:endParaRPr lang="ru-RU"/>
           </a:p>
         </p:txBody>
       </p:sp>
+      <p:sp>
+        <p:nvSpPr>
+          <p:cNvPr id="15" name="TextBox 14"/>
+          <p:cNvSpPr txBox="1"/>
+          <p:nvPr/>
+        </p:nvSpPr>
+        <p:spPr>
+          <a:xfrm>
+            <a:off x="4655840" y="2206605"/>
+            <a:ext cx="1944216" cy="646331"/>
+          </a:xfrm>
+          <a:prstGeom prst="rect">
+            <a:avLst/>
+          </a:prstGeom>
+          <a:noFill/>
+        </p:spPr>
+        <p:txBody>
+          <a:bodyPr wrap="square" rtlCol="0">
+            <a:spAutoFit/>
+          </a:bodyPr>
+          <a:lstStyle/>
+          <a:p>
+            <a:r>
+              <a:rPr lang="ru-RU" dirty="0" smtClean="0"/>
+              <a:t>Чтение и разбор входного потока</a:t>
+            </a:r>
+            <a:endParaRPr lang="ru-RU" dirty="0"/>
+          </a:p>
+        </p:txBody>
+      </p:sp>
+      <p:sp>
+        <p:nvSpPr>
+          <p:cNvPr id="16" name="Левая фигурная скобка 15"/>
+          <p:cNvSpPr/>
+          <p:nvPr/>
+        </p:nvSpPr>
+        <p:spPr>
+          <a:xfrm>
+            <a:off x="7104112" y="1681500"/>
+            <a:ext cx="432048" cy="1477328"/>
+          </a:xfrm>
+          <a:prstGeom prst="leftBrace">
+            <a:avLst>
+              <a:gd name="adj1" fmla="val 8333"/>
+              <a:gd name="adj2" fmla="val 49103"/>
+            </a:avLst>
+          </a:prstGeom>
+        </p:spPr>
+        <p:style>
+          <a:lnRef idx="1">
+            <a:schemeClr val="dk1"/>
+          </a:lnRef>
+          <a:fillRef idx="0">
+            <a:schemeClr val="dk1"/>
+          </a:fillRef>
+          <a:effectRef idx="0">
+            <a:schemeClr val="dk1"/>
+          </a:effectRef>
+          <a:fontRef idx="minor">
+            <a:schemeClr val="tx1"/>
+          </a:fontRef>
+        </p:style>
+        <p:txBody>
+          <a:bodyPr rtlCol="0" anchor="ctr"/>
+          <a:lstStyle/>
+          <a:p>
+            <a:pPr algn="ctr"/>
+            <a:endParaRPr lang="ru-RU"/>
+          </a:p>
+        </p:txBody>
+      </p:sp>
+      <p:sp>
+        <p:nvSpPr>
+          <p:cNvPr id="17" name="TextBox 16"/>
+          <p:cNvSpPr txBox="1"/>
+          <p:nvPr/>
+        </p:nvSpPr>
+        <p:spPr>
+          <a:xfrm>
+            <a:off x="7680176" y="1681500"/>
+            <a:ext cx="2376264" cy="1477328"/>
+          </a:xfrm>
+          <a:prstGeom prst="rect">
+            <a:avLst/>
+          </a:prstGeom>
+          <a:noFill/>
+        </p:spPr>
+        <p:txBody>
+          <a:bodyPr wrap="square" rtlCol="0">
+            <a:spAutoFit/>
+          </a:bodyPr>
+          <a:lstStyle/>
+          <a:p>
+            <a:r>
+              <a:rPr lang="en-US" dirty="0" err="1" smtClean="0"/>
+              <a:t>struct</a:t>
+            </a:r>
+            <a:r>
+              <a:rPr lang="en-US" dirty="0" smtClean="0"/>
+              <a:t> </a:t>
+            </a:r>
+            <a:r>
+              <a:rPr lang="en-US" dirty="0" err="1" smtClean="0"/>
+              <a:t>BioSeq</a:t>
+            </a:r>
+            <a:r>
+              <a:rPr lang="en-US" dirty="0" smtClean="0"/>
+              <a:t> {</a:t>
+            </a:r>
+          </a:p>
+          <a:p>
+            <a:r>
+              <a:rPr lang="en-US" dirty="0" smtClean="0"/>
+              <a:t>    </a:t>
+            </a:r>
+            <a:r>
+              <a:rPr lang="en-US" dirty="0" err="1" smtClean="0"/>
+              <a:t>std</a:t>
+            </a:r>
+            <a:r>
+              <a:rPr lang="en-US" dirty="0" smtClean="0"/>
+              <a:t>::string name;</a:t>
+            </a:r>
+          </a:p>
+          <a:p>
+            <a:r>
+              <a:rPr lang="en-US" dirty="0"/>
+              <a:t> </a:t>
+            </a:r>
+            <a:r>
+              <a:rPr lang="en-US" dirty="0" smtClean="0"/>
+              <a:t>   </a:t>
+            </a:r>
+            <a:r>
+              <a:rPr lang="en-US" dirty="0" err="1" smtClean="0"/>
+              <a:t>std</a:t>
+            </a:r>
+            <a:r>
+              <a:rPr lang="en-US" dirty="0" smtClean="0"/>
+              <a:t>::string; </a:t>
+            </a:r>
+          </a:p>
+          <a:p>
+            <a:r>
+              <a:rPr lang="en-US" dirty="0"/>
+              <a:t> </a:t>
+            </a:r>
+            <a:r>
+              <a:rPr lang="en-US" dirty="0" smtClean="0"/>
+              <a:t>   …</a:t>
+            </a:r>
+          </a:p>
+          <a:p>
+            <a:r>
+              <a:rPr lang="en-US" dirty="0" smtClean="0"/>
+              <a:t>};</a:t>
+            </a:r>
+            <a:endParaRPr lang="ru-RU" dirty="0"/>
+          </a:p>
+        </p:txBody>
+      </p:sp>
+      <p:sp>
+        <p:nvSpPr>
+          <p:cNvPr id="18" name="Блок-схема: данные 17"/>
+          <p:cNvSpPr/>
+          <p:nvPr/>
+        </p:nvSpPr>
+        <p:spPr>
+          <a:xfrm>
+            <a:off x="495772" y="3645024"/>
+            <a:ext cx="5256584" cy="934363"/>
+          </a:xfrm>
+          <a:prstGeom prst="flowChartInputOutput">
+            <a:avLst/>
+          </a:prstGeom>
+        </p:spPr>
+        <p:style>
+          <a:lnRef idx="2">
+            <a:schemeClr val="dk1"/>
+          </a:lnRef>
+          <a:fillRef idx="1">
+            <a:schemeClr val="lt1"/>
+          </a:fillRef>
+          <a:effectRef idx="0">
+            <a:schemeClr val="dk1"/>
+          </a:effectRef>
+          <a:fontRef idx="minor">
+            <a:schemeClr val="dk1"/>
+          </a:fontRef>
+        </p:style>
+        <p:txBody>
+          <a:bodyPr rtlCol="0" anchor="ctr"/>
+          <a:lstStyle/>
+          <a:p>
+            <a:pPr algn="ctr"/>
+            <a:endParaRPr lang="ru-RU"/>
+          </a:p>
+        </p:txBody>
+      </p:sp>
+      <p:sp>
+        <p:nvSpPr>
+          <p:cNvPr id="19" name="TextBox 18"/>
+          <p:cNvSpPr txBox="1"/>
+          <p:nvPr/>
+        </p:nvSpPr>
+        <p:spPr>
+          <a:xfrm>
+            <a:off x="1314601" y="3789040"/>
+            <a:ext cx="4248472" cy="646331"/>
+          </a:xfrm>
+          <a:prstGeom prst="rect">
+            <a:avLst/>
+          </a:prstGeom>
+          <a:noFill/>
+        </p:spPr>
+        <p:txBody>
+          <a:bodyPr wrap="square" rtlCol="0">
+            <a:spAutoFit/>
+          </a:bodyPr>
+          <a:lstStyle/>
+          <a:p>
+            <a:r>
+              <a:rPr lang="ru-RU" dirty="0" smtClean="0"/>
+              <a:t>Построение парных выравниваний для алгоритма кластеризации</a:t>
+            </a:r>
+            <a:endParaRPr lang="ru-RU" dirty="0"/>
+          </a:p>
+        </p:txBody>
+      </p:sp>
+      <p:sp>
+        <p:nvSpPr>
+          <p:cNvPr id="20" name="Блок-схема: данные 19"/>
+          <p:cNvSpPr/>
+          <p:nvPr/>
+        </p:nvSpPr>
+        <p:spPr>
+          <a:xfrm>
+            <a:off x="5951984" y="3645024"/>
+            <a:ext cx="2232248" cy="934363"/>
+          </a:xfrm>
+          <a:prstGeom prst="flowChartInputOutput">
+            <a:avLst/>
+          </a:prstGeom>
+        </p:spPr>
+        <p:style>
+          <a:lnRef idx="2">
+            <a:schemeClr val="dk1"/>
+          </a:lnRef>
+          <a:fillRef idx="1">
+            <a:schemeClr val="lt1"/>
+          </a:fillRef>
+          <a:effectRef idx="0">
+            <a:schemeClr val="dk1"/>
+          </a:effectRef>
+          <a:fontRef idx="minor">
+            <a:schemeClr val="dk1"/>
+          </a:fontRef>
+        </p:style>
+        <p:txBody>
+          <a:bodyPr rtlCol="0" anchor="ctr"/>
+          <a:lstStyle/>
+          <a:p>
+            <a:pPr algn="ctr"/>
+            <a:endParaRPr lang="ru-RU"/>
+          </a:p>
+        </p:txBody>
+      </p:sp>
+      <p:sp>
+        <p:nvSpPr>
+          <p:cNvPr id="21" name="TextBox 20"/>
+          <p:cNvSpPr txBox="1"/>
+          <p:nvPr/>
+        </p:nvSpPr>
+        <p:spPr>
+          <a:xfrm>
+            <a:off x="6409861" y="3772490"/>
+            <a:ext cx="1320755" cy="646331"/>
+          </a:xfrm>
+          <a:prstGeom prst="rect">
+            <a:avLst/>
+          </a:prstGeom>
+          <a:noFill/>
+        </p:spPr>
+        <p:txBody>
+          <a:bodyPr wrap="square" rtlCol="0">
+            <a:spAutoFit/>
+          </a:bodyPr>
+          <a:lstStyle/>
+          <a:p>
+            <a:r>
+              <a:rPr lang="ru-RU" dirty="0" smtClean="0"/>
+              <a:t>Создание </a:t>
+            </a:r>
+          </a:p>
+          <a:p>
+            <a:r>
+              <a:rPr lang="ru-RU" dirty="0" smtClean="0"/>
+              <a:t>профилей</a:t>
+            </a:r>
+            <a:endParaRPr lang="ru-RU" dirty="0"/>
+          </a:p>
+        </p:txBody>
+      </p:sp>
+      <p:sp>
+        <p:nvSpPr>
+          <p:cNvPr id="22" name="Левая фигурная скобка 21"/>
+          <p:cNvSpPr/>
+          <p:nvPr/>
+        </p:nvSpPr>
+        <p:spPr>
+          <a:xfrm>
+            <a:off x="8328248" y="3356992"/>
+            <a:ext cx="432048" cy="1477328"/>
+          </a:xfrm>
+          <a:prstGeom prst="leftBrace">
+            <a:avLst>
+              <a:gd name="adj1" fmla="val 8333"/>
+              <a:gd name="adj2" fmla="val 49103"/>
+            </a:avLst>
+          </a:prstGeom>
+        </p:spPr>
+        <p:style>
+          <a:lnRef idx="1">
+            <a:schemeClr val="dk1"/>
+          </a:lnRef>
+          <a:fillRef idx="0">
+            <a:schemeClr val="dk1"/>
+          </a:fillRef>
+          <a:effectRef idx="0">
+            <a:schemeClr val="dk1"/>
+          </a:effectRef>
+          <a:fontRef idx="minor">
+            <a:schemeClr val="tx1"/>
+          </a:fontRef>
+        </p:style>
+        <p:txBody>
+          <a:bodyPr rtlCol="0" anchor="ctr"/>
+          <a:lstStyle/>
+          <a:p>
+            <a:pPr algn="ctr"/>
+            <a:endParaRPr lang="ru-RU"/>
+          </a:p>
+        </p:txBody>
+      </p:sp>
+      <p:sp>
+        <p:nvSpPr>
+          <p:cNvPr id="23" name="TextBox 22"/>
+          <p:cNvSpPr txBox="1"/>
+          <p:nvPr/>
+        </p:nvSpPr>
+        <p:spPr>
+          <a:xfrm>
+            <a:off x="8760296" y="3356992"/>
+            <a:ext cx="3312368" cy="1477328"/>
+          </a:xfrm>
+          <a:prstGeom prst="rect">
+            <a:avLst/>
+          </a:prstGeom>
+          <a:noFill/>
+        </p:spPr>
+        <p:txBody>
+          <a:bodyPr wrap="square" rtlCol="0">
+            <a:spAutoFit/>
+          </a:bodyPr>
+          <a:lstStyle/>
+          <a:p>
+            <a:r>
+              <a:rPr lang="en-US" dirty="0" err="1" smtClean="0"/>
+              <a:t>struct</a:t>
+            </a:r>
+            <a:r>
+              <a:rPr lang="en-US" dirty="0" smtClean="0"/>
+              <a:t> Profile {</a:t>
+            </a:r>
+          </a:p>
+          <a:p>
+            <a:r>
+              <a:rPr lang="en-US" dirty="0"/>
+              <a:t> </a:t>
+            </a:r>
+            <a:r>
+              <a:rPr lang="en-US" dirty="0" err="1" smtClean="0"/>
+              <a:t>std</a:t>
+            </a:r>
+            <a:r>
+              <a:rPr lang="en-US" dirty="0" smtClean="0"/>
+              <a:t>::vector&lt;</a:t>
+            </a:r>
+            <a:r>
+              <a:rPr lang="en-US" dirty="0" err="1" smtClean="0"/>
+              <a:t>BioSeq</a:t>
+            </a:r>
+            <a:r>
+              <a:rPr lang="en-US" dirty="0" smtClean="0"/>
+              <a:t>*&gt; sequences;</a:t>
+            </a:r>
+          </a:p>
+          <a:p>
+            <a:r>
+              <a:rPr lang="en-US" dirty="0"/>
+              <a:t> </a:t>
+            </a:r>
+            <a:r>
+              <a:rPr lang="en-US" dirty="0" smtClean="0"/>
+              <a:t> …</a:t>
+            </a:r>
+          </a:p>
+          <a:p>
+            <a:r>
+              <a:rPr lang="en-US" dirty="0" smtClean="0"/>
+              <a:t>};</a:t>
+            </a:r>
+            <a:endParaRPr lang="ru-RU" dirty="0"/>
+          </a:p>
+        </p:txBody>
+      </p:sp>
+      <p:sp>
+        <p:nvSpPr>
+          <p:cNvPr id="24" name="Блок-схема: данные 23"/>
+          <p:cNvSpPr/>
+          <p:nvPr/>
+        </p:nvSpPr>
+        <p:spPr>
+          <a:xfrm>
+            <a:off x="4943872" y="5085184"/>
+            <a:ext cx="2232248" cy="934363"/>
+          </a:xfrm>
+          <a:prstGeom prst="flowChartInputOutput">
+            <a:avLst/>
+          </a:prstGeom>
+        </p:spPr>
+        <p:style>
+          <a:lnRef idx="2">
+            <a:schemeClr val="dk1"/>
+          </a:lnRef>
+          <a:fillRef idx="1">
+            <a:schemeClr val="lt1"/>
+          </a:fillRef>
+          <a:effectRef idx="0">
+            <a:schemeClr val="dk1"/>
+          </a:effectRef>
+          <a:fontRef idx="minor">
+            <a:schemeClr val="dk1"/>
+          </a:fontRef>
+        </p:style>
+        <p:txBody>
+          <a:bodyPr rtlCol="0" anchor="ctr"/>
+          <a:lstStyle/>
+          <a:p>
+            <a:pPr algn="ctr"/>
+            <a:endParaRPr lang="ru-RU"/>
+          </a:p>
+        </p:txBody>
+      </p:sp>
+      <p:sp>
+        <p:nvSpPr>
+          <p:cNvPr id="25" name="TextBox 24"/>
+          <p:cNvSpPr txBox="1"/>
+          <p:nvPr/>
+        </p:nvSpPr>
+        <p:spPr>
+          <a:xfrm>
+            <a:off x="5375920" y="5229200"/>
+            <a:ext cx="1800200" cy="646331"/>
+          </a:xfrm>
+          <a:prstGeom prst="rect">
+            <a:avLst/>
+          </a:prstGeom>
+          <a:noFill/>
+        </p:spPr>
+        <p:txBody>
+          <a:bodyPr wrap="square" rtlCol="0">
+            <a:spAutoFit/>
+          </a:bodyPr>
+          <a:lstStyle/>
+          <a:p>
+            <a:r>
+              <a:rPr lang="ru-RU" dirty="0" smtClean="0"/>
+              <a:t>Объединение</a:t>
+            </a:r>
+          </a:p>
+          <a:p>
+            <a:r>
+              <a:rPr lang="ru-RU" dirty="0" smtClean="0"/>
+              <a:t>профилей</a:t>
+            </a:r>
+            <a:endParaRPr lang="ru-RU" dirty="0"/>
+          </a:p>
+        </p:txBody>
+      </p:sp>
+      <p:sp>
+        <p:nvSpPr>
+          <p:cNvPr id="26" name="Левая фигурная скобка 25"/>
+          <p:cNvSpPr/>
+          <p:nvPr/>
+        </p:nvSpPr>
+        <p:spPr>
+          <a:xfrm>
+            <a:off x="7392144" y="5085184"/>
+            <a:ext cx="432048" cy="1115547"/>
+          </a:xfrm>
+          <a:prstGeom prst="leftBrace">
+            <a:avLst>
+              <a:gd name="adj1" fmla="val 8333"/>
+              <a:gd name="adj2" fmla="val 49103"/>
+            </a:avLst>
+          </a:prstGeom>
+        </p:spPr>
+        <p:style>
+          <a:lnRef idx="1">
+            <a:schemeClr val="dk1"/>
+          </a:lnRef>
+          <a:fillRef idx="0">
+            <a:schemeClr val="dk1"/>
+          </a:fillRef>
+          <a:effectRef idx="0">
+            <a:schemeClr val="dk1"/>
+          </a:effectRef>
+          <a:fontRef idx="minor">
+            <a:schemeClr val="tx1"/>
+          </a:fontRef>
+        </p:style>
+        <p:txBody>
+          <a:bodyPr rtlCol="0" anchor="ctr"/>
+          <a:lstStyle/>
+          <a:p>
+            <a:pPr algn="ctr"/>
+            <a:endParaRPr lang="ru-RU"/>
+          </a:p>
+        </p:txBody>
+      </p:sp>
+      <p:sp>
+        <p:nvSpPr>
+          <p:cNvPr id="27" name="TextBox 26"/>
+          <p:cNvSpPr txBox="1"/>
+          <p:nvPr/>
+        </p:nvSpPr>
+        <p:spPr>
+          <a:xfrm>
+            <a:off x="7680176" y="5374957"/>
+            <a:ext cx="3672408" cy="369332"/>
+          </a:xfrm>
+          <a:prstGeom prst="rect">
+            <a:avLst/>
+          </a:prstGeom>
+          <a:noFill/>
+        </p:spPr>
+        <p:txBody>
+          <a:bodyPr wrap="square" rtlCol="0">
+            <a:spAutoFit/>
+          </a:bodyPr>
+          <a:lstStyle/>
+          <a:p>
+            <a:r>
+              <a:rPr lang="en-US" dirty="0" err="1" smtClean="0"/>
+              <a:t>new_profile</a:t>
+            </a:r>
+            <a:r>
+              <a:rPr lang="en-US" dirty="0" smtClean="0"/>
+              <a:t> = profile1 + profile2;</a:t>
+            </a:r>
+            <a:endParaRPr lang="ru-RU" dirty="0"/>
+          </a:p>
+        </p:txBody>
+      </p:sp>
+      <p:cxnSp>
+        <p:nvCxnSpPr>
+          <p:cNvPr id="29" name="Прямая со стрелкой 28"/>
+          <p:cNvCxnSpPr>
+            <a:stCxn id="12" idx="3"/>
+            <a:endCxn id="14" idx="2"/>
+          </p:cNvCxnSpPr>
+          <p:nvPr/>
+        </p:nvCxnSpPr>
+        <p:spPr>
+          <a:xfrm>
+            <a:off x="3503712" y="2528030"/>
+            <a:ext cx="936104" cy="1741"/>
+          </a:xfrm>
+          <a:prstGeom prst="straightConnector1">
+            <a:avLst/>
+          </a:prstGeom>
+          <a:ln>
+            <a:tailEnd type="arrow"/>
+          </a:ln>
+        </p:spPr>
+        <p:style>
+          <a:lnRef idx="1">
+            <a:schemeClr val="accent1"/>
+          </a:lnRef>
+          <a:fillRef idx="0">
+            <a:schemeClr val="accent1"/>
+          </a:fillRef>
+          <a:effectRef idx="0">
+            <a:schemeClr val="accent1"/>
+          </a:effectRef>
+          <a:fontRef idx="minor">
+            <a:schemeClr val="tx1"/>
+          </a:fontRef>
+        </p:style>
+      </p:cxnSp>
+      <p:cxnSp>
+        <p:nvCxnSpPr>
+          <p:cNvPr id="36" name="Соединительная линия уступом 35"/>
+          <p:cNvCxnSpPr>
+            <a:stCxn id="14" idx="4"/>
+            <a:endCxn id="18" idx="1"/>
+          </p:cNvCxnSpPr>
+          <p:nvPr/>
+        </p:nvCxnSpPr>
+        <p:spPr>
+          <a:xfrm rot="5400000">
+            <a:off x="3961960" y="2015040"/>
+            <a:ext cx="792088" cy="2467880"/>
+          </a:xfrm>
+          <a:prstGeom prst="bentConnector3">
+            <a:avLst/>
+          </a:prstGeom>
+          <a:ln>
+            <a:tailEnd type="arrow"/>
+          </a:ln>
+        </p:spPr>
+        <p:style>
+          <a:lnRef idx="1">
+            <a:schemeClr val="accent1"/>
+          </a:lnRef>
+          <a:fillRef idx="0">
+            <a:schemeClr val="accent1"/>
+          </a:fillRef>
+          <a:effectRef idx="0">
+            <a:schemeClr val="accent1"/>
+          </a:effectRef>
+          <a:fontRef idx="minor">
+            <a:schemeClr val="tx1"/>
+          </a:fontRef>
+        </p:style>
+      </p:cxnSp>
+      <p:cxnSp>
+        <p:nvCxnSpPr>
+          <p:cNvPr id="38" name="Прямая со стрелкой 37"/>
+          <p:cNvCxnSpPr>
+            <a:stCxn id="18" idx="5"/>
+            <a:endCxn id="20" idx="2"/>
+          </p:cNvCxnSpPr>
+          <p:nvPr/>
+        </p:nvCxnSpPr>
+        <p:spPr>
+          <a:xfrm>
+            <a:off x="5226698" y="4112206"/>
+            <a:ext cx="948511" cy="0"/>
+          </a:xfrm>
+          <a:prstGeom prst="straightConnector1">
+            <a:avLst/>
+          </a:prstGeom>
+          <a:ln>
+            <a:tailEnd type="arrow"/>
+          </a:ln>
+        </p:spPr>
+        <p:style>
+          <a:lnRef idx="1">
+            <a:schemeClr val="accent1"/>
+          </a:lnRef>
+          <a:fillRef idx="0">
+            <a:schemeClr val="accent1"/>
+          </a:fillRef>
+          <a:effectRef idx="0">
+            <a:schemeClr val="accent1"/>
+          </a:effectRef>
+          <a:fontRef idx="minor">
+            <a:schemeClr val="tx1"/>
+          </a:fontRef>
+        </p:style>
+      </p:cxnSp>
+      <p:cxnSp>
+        <p:nvCxnSpPr>
+          <p:cNvPr id="44" name="Соединительная линия уступом 43"/>
+          <p:cNvCxnSpPr>
+            <a:stCxn id="20" idx="3"/>
+            <a:endCxn id="24" idx="1"/>
+          </p:cNvCxnSpPr>
+          <p:nvPr/>
+        </p:nvCxnSpPr>
+        <p:spPr>
+          <a:xfrm rot="5400000">
+            <a:off x="6199542" y="4439842"/>
+            <a:ext cx="505797" cy="784887"/>
+          </a:xfrm>
+          <a:prstGeom prst="bentConnector3">
+            <a:avLst/>
+          </a:prstGeom>
+          <a:ln>
+            <a:tailEnd type="arrow"/>
+          </a:ln>
+        </p:spPr>
+        <p:style>
+          <a:lnRef idx="1">
+            <a:schemeClr val="accent1"/>
+          </a:lnRef>
+          <a:fillRef idx="0">
+            <a:schemeClr val="accent1"/>
+          </a:fillRef>
+          <a:effectRef idx="0">
+            <a:schemeClr val="accent1"/>
+          </a:effectRef>
+          <a:fontRef idx="minor">
+            <a:schemeClr val="tx1"/>
+          </a:fontRef>
+        </p:style>
+      </p:cxnSp>
+      <p:cxnSp>
+        <p:nvCxnSpPr>
+          <p:cNvPr id="46" name="Соединительная линия уступом 45"/>
+          <p:cNvCxnSpPr>
+            <a:stCxn id="24" idx="3"/>
+            <a:endCxn id="24" idx="2"/>
+          </p:cNvCxnSpPr>
+          <p:nvPr/>
+        </p:nvCxnSpPr>
+        <p:spPr>
+          <a:xfrm rot="5400000" flipH="1">
+            <a:off x="5268343" y="5451120"/>
+            <a:ext cx="467181" cy="669674"/>
+          </a:xfrm>
+          <a:prstGeom prst="bentConnector4">
+            <a:avLst>
+              <a:gd name="adj1" fmla="val -91482"/>
+              <a:gd name="adj2" fmla="val 218920"/>
+            </a:avLst>
+          </a:prstGeom>
+          <a:ln>
+            <a:tailEnd type="arrow"/>
+          </a:ln>
+        </p:spPr>
+        <p:style>
+          <a:lnRef idx="1">
+            <a:schemeClr val="accent1"/>
+          </a:lnRef>
+          <a:fillRef idx="0">
+            <a:schemeClr val="accent1"/>
+          </a:fillRef>
+          <a:effectRef idx="0">
+            <a:schemeClr val="accent1"/>
+          </a:effectRef>
+          <a:fontRef idx="minor">
+            <a:schemeClr val="tx1"/>
+          </a:fontRef>
+        </p:style>
+      </p:cxnSp>
     </p:spTree>
     <p:extLst>
       <p:ext uri="{BB962C8B-B14F-4D97-AF65-F5344CB8AC3E}">
@@ -4314,6 +5200,1498 @@
   <p:transition spd="slow">
     <p:push dir="u"/>
   </p:transition>
+  <p:timing>
+    <p:tnLst>
+      <p:par>
+        <p:cTn id="1" dur="indefinite" restart="never" nodeType="tmRoot"/>
+      </p:par>
+    </p:tnLst>
+  </p:timing>
+</p:sld>
+</file>
+
+<file path=ppt/slides/slide15.xml><?xml version="1.0" encoding="utf-8"?>
+<p:sld xmlns:a="http://schemas.openxmlformats.org/drawingml/2006/main" xmlns:r="http://schemas.openxmlformats.org/officeDocument/2006/relationships" xmlns:p="http://schemas.openxmlformats.org/presentationml/2006/main">
+  <p:cSld>
+    <p:spTree>
+      <p:nvGrpSpPr>
+        <p:cNvPr id="1" name=""/>
+        <p:cNvGrpSpPr/>
+        <p:nvPr/>
+      </p:nvGrpSpPr>
+      <p:grpSpPr>
+        <a:xfrm>
+          <a:off x="0" y="0"/>
+          <a:ext cx="0" cy="0"/>
+          <a:chOff x="0" y="0"/>
+          <a:chExt cx="0" cy="0"/>
+        </a:xfrm>
+      </p:grpSpPr>
+      <p:sp>
+        <p:nvSpPr>
+          <p:cNvPr id="4" name="Текст 3"/>
+          <p:cNvSpPr>
+            <a:spLocks noGrp="1"/>
+          </p:cNvSpPr>
+          <p:nvPr>
+            <p:ph type="body"/>
+          </p:nvPr>
+        </p:nvSpPr>
+        <p:spPr/>
+        <p:txBody>
+          <a:bodyPr/>
+          <a:lstStyle/>
+          <a:p>
+            <a:pPr algn="ctr"/>
+            <a:r>
+              <a:rPr lang="ru-RU" sz="2800" dirty="0" smtClean="0">
+                <a:latin typeface="Calibri" pitchFamily="34" charset="0"/>
+              </a:rPr>
+              <a:t>Входные данные</a:t>
+            </a:r>
+          </a:p>
+          <a:p>
+            <a:r>
+              <a:rPr lang="ru-RU" sz="2800" dirty="0" smtClean="0">
+                <a:latin typeface="Calibri" pitchFamily="34" charset="0"/>
+              </a:rPr>
+              <a:t>Последовательности в формате </a:t>
+            </a:r>
+            <a:r>
+              <a:rPr lang="en-US" sz="2800" dirty="0" smtClean="0">
+                <a:latin typeface="Calibri" pitchFamily="34" charset="0"/>
+              </a:rPr>
+              <a:t>FASTA:</a:t>
+            </a:r>
+          </a:p>
+          <a:p>
+            <a:r>
+              <a:rPr lang="en-US" sz="2800" dirty="0" smtClean="0">
+                <a:latin typeface="Calibri" pitchFamily="34" charset="0"/>
+              </a:rPr>
+              <a:t>&gt; </a:t>
+            </a:r>
+            <a:r>
+              <a:rPr lang="ru-RU" sz="2800" dirty="0" smtClean="0">
+                <a:latin typeface="Calibri" pitchFamily="34" charset="0"/>
+              </a:rPr>
+              <a:t>Идентификатор</a:t>
+            </a:r>
+            <a:r>
+              <a:rPr lang="en-US" sz="2800" dirty="0" smtClean="0">
+                <a:latin typeface="Calibri" pitchFamily="34" charset="0"/>
+              </a:rPr>
+              <a:t> #1</a:t>
+            </a:r>
+          </a:p>
+          <a:p>
+            <a:r>
+              <a:rPr lang="ru-RU" sz="2800" dirty="0" smtClean="0">
+                <a:latin typeface="Calibri" pitchFamily="34" charset="0"/>
+              </a:rPr>
+              <a:t>последовательность 1</a:t>
+            </a:r>
+            <a:endParaRPr lang="en-US" sz="2800" dirty="0" smtClean="0">
+              <a:latin typeface="Calibri" pitchFamily="34" charset="0"/>
+            </a:endParaRPr>
+          </a:p>
+          <a:p>
+            <a:r>
+              <a:rPr lang="ru-RU" sz="2800" dirty="0" smtClean="0">
+                <a:latin typeface="Calibri" pitchFamily="34" charset="0"/>
+              </a:rPr>
+              <a:t>последовательность 1</a:t>
+            </a:r>
+          </a:p>
+          <a:p>
+            <a:r>
+              <a:rPr lang="ru-RU" sz="2800" dirty="0" smtClean="0">
+                <a:latin typeface="Calibri" pitchFamily="34" charset="0"/>
+              </a:rPr>
+              <a:t>…</a:t>
+            </a:r>
+          </a:p>
+          <a:p>
+            <a:r>
+              <a:rPr lang="en-US" sz="2800" dirty="0" smtClean="0">
+                <a:latin typeface="Calibri" pitchFamily="34" charset="0"/>
+              </a:rPr>
+              <a:t>&gt; </a:t>
+            </a:r>
+            <a:r>
+              <a:rPr lang="ru-RU" sz="2800" dirty="0" smtClean="0">
+                <a:latin typeface="Calibri" pitchFamily="34" charset="0"/>
+              </a:rPr>
+              <a:t>Идентификатор </a:t>
+            </a:r>
+            <a:r>
+              <a:rPr lang="en-US" sz="2800" dirty="0" smtClean="0">
+                <a:latin typeface="Calibri" pitchFamily="34" charset="0"/>
+              </a:rPr>
+              <a:t>#</a:t>
+            </a:r>
+            <a:r>
+              <a:rPr lang="ru-RU" sz="2800" dirty="0" smtClean="0">
+                <a:latin typeface="Calibri" pitchFamily="34" charset="0"/>
+              </a:rPr>
+              <a:t>2</a:t>
+            </a:r>
+            <a:endParaRPr lang="en-US" sz="2800" dirty="0" smtClean="0">
+              <a:latin typeface="Calibri" pitchFamily="34" charset="0"/>
+            </a:endParaRPr>
+          </a:p>
+          <a:p>
+            <a:r>
+              <a:rPr lang="ru-RU" sz="2800" dirty="0" smtClean="0">
+                <a:latin typeface="Calibri" pitchFamily="34" charset="0"/>
+              </a:rPr>
+              <a:t>последовательность 2</a:t>
+            </a:r>
+          </a:p>
+          <a:p>
+            <a:r>
+              <a:rPr lang="ru-RU" sz="2800" dirty="0" smtClean="0">
+                <a:latin typeface="Calibri" pitchFamily="34" charset="0"/>
+              </a:rPr>
+              <a:t>…</a:t>
+            </a:r>
+          </a:p>
+          <a:p>
+            <a:endParaRPr lang="ru-RU" sz="2800" dirty="0" smtClean="0">
+              <a:latin typeface="Calibri" pitchFamily="34" charset="0"/>
+            </a:endParaRPr>
+          </a:p>
+          <a:p>
+            <a:endParaRPr lang="ru-RU" sz="2800" dirty="0">
+              <a:latin typeface="Calibri" pitchFamily="34" charset="0"/>
+            </a:endParaRPr>
+          </a:p>
+        </p:txBody>
+      </p:sp>
+      <p:sp>
+        <p:nvSpPr>
+          <p:cNvPr id="5" name="Текст 4"/>
+          <p:cNvSpPr>
+            <a:spLocks noGrp="1"/>
+          </p:cNvSpPr>
+          <p:nvPr>
+            <p:ph type="body"/>
+          </p:nvPr>
+        </p:nvSpPr>
+        <p:spPr/>
+        <p:txBody>
+          <a:bodyPr/>
+          <a:lstStyle/>
+          <a:p>
+            <a:pPr algn="ctr"/>
+            <a:r>
+              <a:rPr lang="ru-RU" sz="2800" dirty="0" smtClean="0">
+                <a:latin typeface="Calibri" pitchFamily="34" charset="0"/>
+              </a:rPr>
+              <a:t>Структура для хранения последовательности</a:t>
+            </a:r>
+          </a:p>
+          <a:p>
+            <a:pPr algn="ctr"/>
+            <a:endParaRPr lang="ru-RU" sz="2800" dirty="0">
+              <a:latin typeface="Calibri" pitchFamily="34" charset="0"/>
+            </a:endParaRPr>
+          </a:p>
+          <a:p>
+            <a:pPr lvl="2"/>
+            <a:r>
+              <a:rPr lang="ru-RU" sz="2800" dirty="0" smtClean="0"/>
+              <a:t>  </a:t>
+            </a:r>
+            <a:r>
+              <a:rPr lang="en-US" sz="2800" dirty="0" err="1" smtClean="0"/>
+              <a:t>struct</a:t>
+            </a:r>
+            <a:r>
+              <a:rPr lang="en-US" sz="2800" dirty="0" smtClean="0"/>
+              <a:t> </a:t>
+            </a:r>
+            <a:r>
+              <a:rPr lang="en-US" sz="2800" dirty="0" err="1" smtClean="0"/>
+              <a:t>BioSeq</a:t>
+            </a:r>
+            <a:r>
+              <a:rPr lang="en-US" sz="2800" dirty="0" smtClean="0"/>
+              <a:t> {</a:t>
+            </a:r>
+          </a:p>
+          <a:p>
+            <a:pPr lvl="2"/>
+            <a:r>
+              <a:rPr lang="en-US" sz="2800" dirty="0" smtClean="0"/>
+              <a:t>  </a:t>
+            </a:r>
+            <a:r>
+              <a:rPr lang="ru-RU" sz="2800" dirty="0" smtClean="0"/>
+              <a:t>   </a:t>
+            </a:r>
+            <a:r>
+              <a:rPr lang="en-US" sz="2800" dirty="0" smtClean="0"/>
+              <a:t>  </a:t>
+            </a:r>
+            <a:r>
+              <a:rPr lang="en-US" sz="2800" dirty="0" err="1" smtClean="0"/>
+              <a:t>std</a:t>
+            </a:r>
+            <a:r>
+              <a:rPr lang="en-US" sz="2800" dirty="0" smtClean="0"/>
+              <a:t>::string name;</a:t>
+            </a:r>
+          </a:p>
+          <a:p>
+            <a:pPr lvl="2"/>
+            <a:r>
+              <a:rPr lang="en-US" sz="2800" dirty="0" smtClean="0"/>
+              <a:t>    </a:t>
+            </a:r>
+            <a:r>
+              <a:rPr lang="ru-RU" sz="2800" dirty="0" smtClean="0"/>
+              <a:t>   </a:t>
+            </a:r>
+            <a:r>
+              <a:rPr lang="en-US" sz="2800" dirty="0" err="1" smtClean="0"/>
+              <a:t>std</a:t>
+            </a:r>
+            <a:r>
+              <a:rPr lang="en-US" sz="2800" dirty="0" smtClean="0"/>
+              <a:t>::string;</a:t>
+            </a:r>
+          </a:p>
+          <a:p>
+            <a:pPr lvl="2"/>
+            <a:r>
+              <a:rPr lang="en-US" sz="2800" dirty="0" smtClean="0"/>
+              <a:t>   </a:t>
+            </a:r>
+            <a:r>
+              <a:rPr lang="ru-RU" sz="2800" dirty="0" smtClean="0"/>
+              <a:t>  </a:t>
+            </a:r>
+            <a:r>
+              <a:rPr lang="en-US" sz="2800" dirty="0" smtClean="0"/>
+              <a:t> …</a:t>
+            </a:r>
+          </a:p>
+          <a:p>
+            <a:pPr lvl="2"/>
+            <a:r>
+              <a:rPr lang="ru-RU" sz="2800" dirty="0" smtClean="0"/>
+              <a:t>  </a:t>
+            </a:r>
+            <a:r>
+              <a:rPr lang="en-US" sz="2800" dirty="0" smtClean="0"/>
+              <a:t>};</a:t>
+            </a:r>
+            <a:endParaRPr lang="ru-RU" sz="2800" dirty="0" smtClean="0"/>
+          </a:p>
+          <a:p>
+            <a:pPr algn="l"/>
+            <a:endParaRPr lang="ru-RU" sz="2800" dirty="0">
+              <a:latin typeface="Calibri" pitchFamily="34" charset="0"/>
+            </a:endParaRPr>
+          </a:p>
+        </p:txBody>
+      </p:sp>
+      <p:sp>
+        <p:nvSpPr>
+          <p:cNvPr id="2" name="Заголовок 1"/>
+          <p:cNvSpPr>
+            <a:spLocks noGrp="1"/>
+          </p:cNvSpPr>
+          <p:nvPr>
+            <p:ph type="title"/>
+          </p:nvPr>
+        </p:nvSpPr>
+        <p:spPr/>
+        <p:txBody>
+          <a:bodyPr/>
+          <a:lstStyle/>
+          <a:p>
+            <a:r>
+              <a:rPr lang="ru-RU" sz="4400" dirty="0" smtClean="0">
+                <a:latin typeface="Calibri" pitchFamily="34" charset="0"/>
+              </a:rPr>
+              <a:t>Чтение и разбор входного потока</a:t>
+            </a:r>
+            <a:endParaRPr lang="ru-RU" sz="4400" dirty="0">
+              <a:latin typeface="Calibri" pitchFamily="34" charset="0"/>
+            </a:endParaRPr>
+          </a:p>
+        </p:txBody>
+      </p:sp>
+    </p:spTree>
+    <p:extLst>
+      <p:ext uri="{BB962C8B-B14F-4D97-AF65-F5344CB8AC3E}">
+        <p14:creationId xmlns:p14="http://schemas.microsoft.com/office/powerpoint/2010/main" val="3235819371"/>
+      </p:ext>
+    </p:extLst>
+  </p:cSld>
+  <p:clrMapOvr>
+    <a:masterClrMapping/>
+  </p:clrMapOvr>
+  <p:transition spd="slow">
+    <p:push dir="u"/>
+  </p:transition>
+  <p:timing>
+    <p:tnLst>
+      <p:par>
+        <p:cTn id="1" dur="indefinite" restart="never" nodeType="tmRoot"/>
+      </p:par>
+    </p:tnLst>
+  </p:timing>
+</p:sld>
+</file>
+
+<file path=ppt/slides/slide16.xml><?xml version="1.0" encoding="utf-8"?>
+<p:sld xmlns:a="http://schemas.openxmlformats.org/drawingml/2006/main" xmlns:r="http://schemas.openxmlformats.org/officeDocument/2006/relationships" xmlns:p="http://schemas.openxmlformats.org/presentationml/2006/main">
+  <p:cSld>
+    <p:spTree>
+      <p:nvGrpSpPr>
+        <p:cNvPr id="1" name=""/>
+        <p:cNvGrpSpPr/>
+        <p:nvPr/>
+      </p:nvGrpSpPr>
+      <p:grpSpPr>
+        <a:xfrm>
+          <a:off x="0" y="0"/>
+          <a:ext cx="0" cy="0"/>
+          <a:chOff x="0" y="0"/>
+          <a:chExt cx="0" cy="0"/>
+        </a:xfrm>
+      </p:grpSpPr>
+      <mc:AlternateContent xmlns:mc="http://schemas.openxmlformats.org/markup-compatibility/2006">
+        <mc:Choice xmlns:a14="http://schemas.microsoft.com/office/drawing/2010/main" Requires="a14">
+          <p:sp>
+            <p:nvSpPr>
+              <p:cNvPr id="5" name="Текст 4"/>
+              <p:cNvSpPr>
+                <a:spLocks noGrp="1"/>
+              </p:cNvSpPr>
+              <p:nvPr>
+                <p:ph type="body"/>
+              </p:nvPr>
+            </p:nvSpPr>
+            <p:spPr>
+              <a:xfrm>
+                <a:off x="838080" y="1825560"/>
+                <a:ext cx="6698080" cy="4350960"/>
+              </a:xfrm>
+            </p:spPr>
+            <p:txBody>
+              <a:bodyPr/>
+              <a:lstStyle/>
+              <a:p>
+                <a:pPr marL="342900" indent="-342900">
+                  <a:buFont typeface="+mj-lt"/>
+                  <a:buAutoNum type="arabicPeriod"/>
+                </a:pPr>
+                <a:r>
+                  <a:rPr lang="ru-RU" sz="2000" dirty="0" smtClean="0"/>
+                  <a:t>Перед началом работы алгоритма рассчитывается матрица расстояний между объектами. Каждый объект образует свой собственный кластер.</a:t>
+                </a:r>
+                <a:endParaRPr lang="en-US" sz="2000" dirty="0" smtClean="0"/>
+              </a:p>
+              <a:p>
+                <a:pPr marL="342900" indent="-342900">
+                  <a:buFont typeface="+mj-lt"/>
+                  <a:buAutoNum type="arabicPeriod"/>
+                </a:pPr>
+                <a:r>
+                  <a:rPr lang="ru-RU" sz="2000" dirty="0"/>
+                  <a:t>И</a:t>
+                </a:r>
+                <a:r>
+                  <a:rPr lang="ru-RU" sz="2000" dirty="0" smtClean="0"/>
+                  <a:t>щется </a:t>
+                </a:r>
+                <a:r>
+                  <a:rPr lang="ru-RU" sz="2000" dirty="0"/>
+                  <a:t>минимальное значение, соответствующее расстоянию между двумя наиболее близкими кластерами. Найденные кластеры </a:t>
+                </a:r>
+                <a:r>
+                  <a:rPr lang="ru-RU" sz="2000" dirty="0" smtClean="0"/>
+                  <a:t>объединяются</a:t>
+                </a:r>
+                <a:r>
+                  <a:rPr lang="ru-RU" sz="2000" dirty="0"/>
+                  <a:t>, образуя новый </a:t>
+                </a:r>
+                <a:r>
+                  <a:rPr lang="ru-RU" sz="2000" dirty="0" smtClean="0"/>
+                  <a:t>кластер.</a:t>
+                </a:r>
+                <a:endParaRPr lang="en-US" sz="2000" dirty="0" smtClean="0"/>
+              </a:p>
+              <a:p>
+                <a:pPr marL="342900" indent="-342900">
+                  <a:buFont typeface="+mj-lt"/>
+                  <a:buAutoNum type="arabicPeriod"/>
+                </a:pPr>
+                <a:r>
+                  <a:rPr lang="ru-RU" sz="2000" dirty="0" smtClean="0"/>
+                  <a:t>Расстояние </a:t>
+                </a:r>
+                <a:r>
+                  <a:rPr lang="ru-RU" sz="2000" dirty="0"/>
+                  <a:t>между </a:t>
+                </a:r>
+                <a:r>
+                  <a:rPr lang="ru-RU" sz="2000" dirty="0" smtClean="0"/>
+                  <a:t>кластерами </a:t>
+                </a:r>
+                <a:r>
+                  <a:rPr lang="en-US" sz="2000" i="1" dirty="0" smtClean="0"/>
+                  <a:t>(</a:t>
+                </a:r>
+                <a:r>
+                  <a:rPr lang="en-US" sz="2000" i="1" dirty="0" err="1" smtClean="0"/>
+                  <a:t>u,v</a:t>
+                </a:r>
+                <a:r>
+                  <a:rPr lang="en-US" sz="2000" i="1" dirty="0" smtClean="0"/>
+                  <a:t>)</a:t>
+                </a:r>
+                <a:r>
+                  <a:rPr lang="en-US" sz="2000" dirty="0" smtClean="0"/>
+                  <a:t> </a:t>
+                </a:r>
+                <a:r>
+                  <a:rPr lang="ru-RU" sz="2000" dirty="0" smtClean="0"/>
+                  <a:t>и </a:t>
+                </a:r>
+                <a:r>
+                  <a:rPr lang="en-US" sz="2000" i="1" dirty="0" smtClean="0"/>
+                  <a:t>w</a:t>
+                </a:r>
+                <a:r>
+                  <a:rPr lang="en-US" sz="2000" dirty="0" smtClean="0"/>
+                  <a:t> </a:t>
+                </a:r>
+                <a:r>
+                  <a:rPr lang="ru-RU" sz="2000" dirty="0" smtClean="0"/>
+                  <a:t>определяется </a:t>
+                </a:r>
+                <a:r>
+                  <a:rPr lang="ru-RU" sz="2000" dirty="0"/>
+                  <a:t>согласно формуле</a:t>
+                </a:r>
+                <a:r>
+                  <a:rPr lang="ru-RU" sz="2000" dirty="0" smtClean="0"/>
+                  <a:t>:</a:t>
+                </a:r>
+                <a:r>
+                  <a:rPr lang="en-US" sz="2000" dirty="0" smtClean="0"/>
+                  <a:t/>
+                </a:r>
+                <a:br>
+                  <a:rPr lang="en-US" sz="2000" dirty="0" smtClean="0"/>
+                </a:br>
+                <a:endParaRPr lang="en-US" sz="2000" dirty="0" smtClean="0"/>
+              </a:p>
+              <a:p>
+                <a:pPr algn="ctr"/>
+                <a14:m>
+                  <m:oMathPara xmlns:m="http://schemas.openxmlformats.org/officeDocument/2006/math">
+                    <m:oMathParaPr>
+                      <m:jc m:val="centerGroup"/>
+                    </m:oMathParaPr>
+                    <m:oMath xmlns:m="http://schemas.openxmlformats.org/officeDocument/2006/math">
+                      <m:r>
+                        <a:rPr lang="en-US" sz="2400" b="0" i="1" smtClean="0">
+                          <a:latin typeface="Cambria Math"/>
+                        </a:rPr>
+                        <m:t>𝐷</m:t>
+                      </m:r>
+                      <m:d>
+                        <m:dPr>
+                          <m:ctrlPr>
+                            <a:rPr lang="en-US" sz="2400" b="0" i="1" smtClean="0">
+                              <a:latin typeface="Cambria Math"/>
+                            </a:rPr>
+                          </m:ctrlPr>
+                        </m:dPr>
+                        <m:e>
+                          <m:d>
+                            <m:dPr>
+                              <m:ctrlPr>
+                                <a:rPr lang="en-US" sz="2400" b="0" i="1" smtClean="0">
+                                  <a:latin typeface="Cambria Math"/>
+                                </a:rPr>
+                              </m:ctrlPr>
+                            </m:dPr>
+                            <m:e>
+                              <m:r>
+                                <a:rPr lang="en-US" sz="2400" b="0" i="1" smtClean="0">
+                                  <a:latin typeface="Cambria Math"/>
+                                </a:rPr>
+                                <m:t>𝑢</m:t>
+                              </m:r>
+                              <m:r>
+                                <a:rPr lang="en-US" sz="2400" b="0" i="1" smtClean="0">
+                                  <a:latin typeface="Cambria Math"/>
+                                </a:rPr>
+                                <m:t>,</m:t>
+                              </m:r>
+                              <m:r>
+                                <a:rPr lang="en-US" sz="2400" b="0" i="1" smtClean="0">
+                                  <a:latin typeface="Cambria Math"/>
+                                </a:rPr>
+                                <m:t>𝑣</m:t>
+                              </m:r>
+                            </m:e>
+                          </m:d>
+                          <m:r>
+                            <a:rPr lang="en-US" sz="2400" b="0" i="1" smtClean="0">
+                              <a:latin typeface="Cambria Math"/>
+                            </a:rPr>
+                            <m:t>,</m:t>
+                          </m:r>
+                          <m:r>
+                            <a:rPr lang="en-US" sz="2400" b="0" i="1" smtClean="0">
+                              <a:latin typeface="Cambria Math"/>
+                            </a:rPr>
+                            <m:t>𝑤</m:t>
+                          </m:r>
+                        </m:e>
+                      </m:d>
+                      <m:r>
+                        <a:rPr lang="en-US" sz="2400" b="0" i="1" smtClean="0">
+                          <a:latin typeface="Cambria Math"/>
+                        </a:rPr>
+                        <m:t>=</m:t>
+                      </m:r>
+                      <m:f>
+                        <m:fPr>
+                          <m:ctrlPr>
+                            <a:rPr lang="en-US" sz="2400" b="0" i="1" smtClean="0">
+                              <a:latin typeface="Cambria Math"/>
+                            </a:rPr>
+                          </m:ctrlPr>
+                        </m:fPr>
+                        <m:num>
+                          <m:sSub>
+                            <m:sSubPr>
+                              <m:ctrlPr>
+                                <a:rPr lang="en-US" sz="2400" b="0" i="1" smtClean="0">
+                                  <a:latin typeface="Cambria Math"/>
+                                </a:rPr>
+                              </m:ctrlPr>
+                            </m:sSubPr>
+                            <m:e>
+                              <m:r>
+                                <a:rPr lang="en-US" sz="2400" b="0" i="1" smtClean="0">
+                                  <a:latin typeface="Cambria Math"/>
+                                </a:rPr>
+                                <m:t>𝑇</m:t>
+                              </m:r>
+                            </m:e>
+                            <m:sub>
+                              <m:r>
+                                <a:rPr lang="en-US" sz="2400" b="0" i="1" smtClean="0">
+                                  <a:latin typeface="Cambria Math"/>
+                                </a:rPr>
+                                <m:t>𝑢</m:t>
+                              </m:r>
+                            </m:sub>
+                          </m:sSub>
+                          <m:sSub>
+                            <m:sSubPr>
+                              <m:ctrlPr>
+                                <a:rPr lang="en-US" sz="2400" b="0" i="1" smtClean="0">
+                                  <a:latin typeface="Cambria Math"/>
+                                </a:rPr>
+                              </m:ctrlPr>
+                            </m:sSubPr>
+                            <m:e>
+                              <m:r>
+                                <a:rPr lang="en-US" sz="2400" b="0" i="1" smtClean="0">
+                                  <a:latin typeface="Cambria Math"/>
+                                </a:rPr>
+                                <m:t>𝐷</m:t>
+                              </m:r>
+                            </m:e>
+                            <m:sub>
+                              <m:r>
+                                <a:rPr lang="en-US" sz="2400" b="0" i="1" smtClean="0">
+                                  <a:latin typeface="Cambria Math"/>
+                                </a:rPr>
+                                <m:t>𝑢</m:t>
+                              </m:r>
+                              <m:r>
+                                <a:rPr lang="en-US" sz="2400" b="0" i="1" smtClean="0">
+                                  <a:latin typeface="Cambria Math"/>
+                                </a:rPr>
+                                <m:t>,</m:t>
+                              </m:r>
+                              <m:r>
+                                <a:rPr lang="en-US" sz="2400" b="0" i="1" smtClean="0">
+                                  <a:latin typeface="Cambria Math"/>
+                                </a:rPr>
+                                <m:t>𝑤</m:t>
+                              </m:r>
+                            </m:sub>
+                          </m:sSub>
+                          <m:r>
+                            <a:rPr lang="en-US" sz="2400" b="0" i="1" smtClean="0">
+                              <a:latin typeface="Cambria Math"/>
+                            </a:rPr>
+                            <m:t>+</m:t>
+                          </m:r>
+                          <m:sSub>
+                            <m:sSubPr>
+                              <m:ctrlPr>
+                                <a:rPr lang="en-US" sz="2400" b="0" i="1" smtClean="0">
+                                  <a:latin typeface="Cambria Math"/>
+                                </a:rPr>
+                              </m:ctrlPr>
+                            </m:sSubPr>
+                            <m:e>
+                              <m:r>
+                                <a:rPr lang="en-US" sz="2400" b="0" i="1" smtClean="0">
+                                  <a:latin typeface="Cambria Math"/>
+                                </a:rPr>
+                                <m:t>𝑇</m:t>
+                              </m:r>
+                            </m:e>
+                            <m:sub>
+                              <m:r>
+                                <a:rPr lang="en-US" sz="2400" b="0" i="1" smtClean="0">
+                                  <a:latin typeface="Cambria Math"/>
+                                </a:rPr>
+                                <m:t>𝑣</m:t>
+                              </m:r>
+                            </m:sub>
+                          </m:sSub>
+                          <m:sSub>
+                            <m:sSubPr>
+                              <m:ctrlPr>
+                                <a:rPr lang="en-US" sz="2400" b="0" i="1" smtClean="0">
+                                  <a:latin typeface="Cambria Math"/>
+                                </a:rPr>
+                              </m:ctrlPr>
+                            </m:sSubPr>
+                            <m:e>
+                              <m:r>
+                                <a:rPr lang="en-US" sz="2400" b="0" i="1" smtClean="0">
+                                  <a:latin typeface="Cambria Math"/>
+                                </a:rPr>
+                                <m:t>𝐷</m:t>
+                              </m:r>
+                            </m:e>
+                            <m:sub>
+                              <m:r>
+                                <a:rPr lang="en-US" sz="2400" b="0" i="1" smtClean="0">
+                                  <a:latin typeface="Cambria Math"/>
+                                </a:rPr>
+                                <m:t>𝑣</m:t>
+                              </m:r>
+                              <m:r>
+                                <a:rPr lang="en-US" sz="2400" b="0" i="1" smtClean="0">
+                                  <a:latin typeface="Cambria Math"/>
+                                </a:rPr>
+                                <m:t>,</m:t>
+                              </m:r>
+                              <m:r>
+                                <a:rPr lang="en-US" sz="2400" b="0" i="1" smtClean="0">
+                                  <a:latin typeface="Cambria Math"/>
+                                </a:rPr>
+                                <m:t>𝑤</m:t>
+                              </m:r>
+                            </m:sub>
+                          </m:sSub>
+                          <m:r>
+                            <a:rPr lang="en-US" sz="2400" b="0" i="1" smtClean="0">
+                              <a:latin typeface="Cambria Math"/>
+                            </a:rPr>
+                            <m:t> </m:t>
+                          </m:r>
+                        </m:num>
+                        <m:den>
+                          <m:sSub>
+                            <m:sSubPr>
+                              <m:ctrlPr>
+                                <a:rPr lang="en-US" sz="2400" b="0" i="1" smtClean="0">
+                                  <a:latin typeface="Cambria Math"/>
+                                </a:rPr>
+                              </m:ctrlPr>
+                            </m:sSubPr>
+                            <m:e>
+                              <m:r>
+                                <a:rPr lang="en-US" sz="2400" b="0" i="1" smtClean="0">
+                                  <a:latin typeface="Cambria Math"/>
+                                </a:rPr>
+                                <m:t>𝑇</m:t>
+                              </m:r>
+                            </m:e>
+                            <m:sub>
+                              <m:r>
+                                <a:rPr lang="en-US" sz="2400" b="0" i="1" smtClean="0">
+                                  <a:latin typeface="Cambria Math"/>
+                                </a:rPr>
+                                <m:t>𝑢</m:t>
+                              </m:r>
+                            </m:sub>
+                          </m:sSub>
+                          <m:r>
+                            <a:rPr lang="en-US" sz="2400" b="0" i="1" smtClean="0">
+                              <a:latin typeface="Cambria Math"/>
+                            </a:rPr>
+                            <m:t>+</m:t>
+                          </m:r>
+                          <m:sSub>
+                            <m:sSubPr>
+                              <m:ctrlPr>
+                                <a:rPr lang="en-US" sz="2400" b="0" i="1" smtClean="0">
+                                  <a:latin typeface="Cambria Math"/>
+                                </a:rPr>
+                              </m:ctrlPr>
+                            </m:sSubPr>
+                            <m:e>
+                              <m:r>
+                                <a:rPr lang="en-US" sz="2400" b="0" i="1" smtClean="0">
+                                  <a:latin typeface="Cambria Math"/>
+                                </a:rPr>
+                                <m:t>𝑇</m:t>
+                              </m:r>
+                            </m:e>
+                            <m:sub>
+                              <m:r>
+                                <a:rPr lang="en-US" sz="2400" b="0" i="1" smtClean="0">
+                                  <a:latin typeface="Cambria Math"/>
+                                </a:rPr>
+                                <m:t>𝑣</m:t>
+                              </m:r>
+                            </m:sub>
+                          </m:sSub>
+                        </m:den>
+                      </m:f>
+                    </m:oMath>
+                  </m:oMathPara>
+                </a14:m>
+                <a:endParaRPr lang="ru-RU" sz="2400" dirty="0"/>
+              </a:p>
+            </p:txBody>
+          </p:sp>
+        </mc:Choice>
+        <mc:Fallback>
+          <p:sp>
+            <p:nvSpPr>
+              <p:cNvPr id="5" name="Текст 4"/>
+              <p:cNvSpPr>
+                <a:spLocks noGrp="1" noRot="1" noChangeAspect="1" noMove="1" noResize="1" noEditPoints="1" noAdjustHandles="1" noChangeArrowheads="1" noChangeShapeType="1" noTextEdit="1"/>
+              </p:cNvSpPr>
+              <p:nvPr>
+                <p:ph type="body"/>
+              </p:nvPr>
+            </p:nvSpPr>
+            <p:spPr>
+              <a:xfrm>
+                <a:off x="838080" y="1825560"/>
+                <a:ext cx="6698080" cy="4350960"/>
+              </a:xfrm>
+              <a:blipFill rotWithShape="1">
+                <a:blip r:embed="rId2"/>
+                <a:stretch>
+                  <a:fillRect l="-2093" t="-1541"/>
+                </a:stretch>
+              </a:blipFill>
+            </p:spPr>
+            <p:txBody>
+              <a:bodyPr/>
+              <a:lstStyle/>
+              <a:p>
+                <a:r>
+                  <a:rPr lang="ru-RU">
+                    <a:noFill/>
+                  </a:rPr>
+                  <a:t> </a:t>
+                </a:r>
+              </a:p>
+            </p:txBody>
+          </p:sp>
+        </mc:Fallback>
+      </mc:AlternateContent>
+      <p:sp>
+        <p:nvSpPr>
+          <p:cNvPr id="2" name="Заголовок 1"/>
+          <p:cNvSpPr>
+            <a:spLocks noGrp="1"/>
+          </p:cNvSpPr>
+          <p:nvPr>
+            <p:ph type="title"/>
+          </p:nvPr>
+        </p:nvSpPr>
+        <p:spPr/>
+        <p:txBody>
+          <a:bodyPr/>
+          <a:lstStyle/>
+          <a:p>
+            <a:r>
+              <a:rPr lang="ru-RU" sz="4400" dirty="0" smtClean="0">
+                <a:latin typeface="Calibri" pitchFamily="34" charset="0"/>
+              </a:rPr>
+              <a:t>Алгоритм кластеризации </a:t>
+            </a:r>
+            <a:r>
+              <a:rPr lang="en-US" sz="4400" dirty="0" smtClean="0">
+                <a:latin typeface="Calibri" pitchFamily="34" charset="0"/>
+              </a:rPr>
+              <a:t>UPGMA</a:t>
+            </a:r>
+            <a:endParaRPr lang="ru-RU" sz="4400" dirty="0">
+              <a:latin typeface="Calibri" pitchFamily="34" charset="0"/>
+            </a:endParaRPr>
+          </a:p>
+        </p:txBody>
+      </p:sp>
+      <p:pic>
+        <p:nvPicPr>
+          <p:cNvPr id="2050" name="Picture 2" descr="C:\Users\Pavel\Pictures\upgma table.PNG"/>
+          <p:cNvPicPr>
+            <a:picLocks noChangeAspect="1" noChangeArrowheads="1"/>
+          </p:cNvPicPr>
+          <p:nvPr/>
+        </p:nvPicPr>
+        <p:blipFill>
+          <a:blip r:embed="rId3">
+            <a:extLst>
+              <a:ext uri="{28A0092B-C50C-407E-A947-70E740481C1C}">
+                <a14:useLocalDpi xmlns:a14="http://schemas.microsoft.com/office/drawing/2010/main" val="0"/>
+              </a:ext>
+            </a:extLst>
+          </a:blip>
+          <a:srcRect/>
+          <a:stretch>
+            <a:fillRect/>
+          </a:stretch>
+        </p:blipFill>
+        <p:spPr bwMode="auto">
+          <a:xfrm>
+            <a:off x="7824192" y="2348880"/>
+            <a:ext cx="3400425" cy="3105150"/>
+          </a:xfrm>
+          <a:prstGeom prst="rect">
+            <a:avLst/>
+          </a:prstGeom>
+          <a:noFill/>
+          <a:extLst>
+            <a:ext uri="{909E8E84-426E-40DD-AFC4-6F175D3DCCD1}">
+              <a14:hiddenFill xmlns:a14="http://schemas.microsoft.com/office/drawing/2010/main">
+                <a:solidFill>
+                  <a:srgbClr val="FFFFFF"/>
+                </a:solidFill>
+              </a14:hiddenFill>
+            </a:ext>
+          </a:extLst>
+        </p:spPr>
+      </p:pic>
+    </p:spTree>
+    <p:extLst>
+      <p:ext uri="{BB962C8B-B14F-4D97-AF65-F5344CB8AC3E}">
+        <p14:creationId xmlns:p14="http://schemas.microsoft.com/office/powerpoint/2010/main" val="4294962667"/>
+      </p:ext>
+    </p:extLst>
+  </p:cSld>
+  <p:clrMapOvr>
+    <a:masterClrMapping/>
+  </p:clrMapOvr>
+  <p:transition spd="slow">
+    <p:push dir="u"/>
+  </p:transition>
+  <p:timing>
+    <p:tnLst>
+      <p:par>
+        <p:cTn id="1" dur="indefinite" restart="never" nodeType="tmRoot"/>
+      </p:par>
+    </p:tnLst>
+  </p:timing>
+</p:sld>
+</file>
+
+<file path=ppt/slides/slide17.xml><?xml version="1.0" encoding="utf-8"?>
+<p:sld xmlns:a="http://schemas.openxmlformats.org/drawingml/2006/main" xmlns:r="http://schemas.openxmlformats.org/officeDocument/2006/relationships" xmlns:p="http://schemas.openxmlformats.org/presentationml/2006/main">
+  <p:cSld>
+    <p:spTree>
+      <p:nvGrpSpPr>
+        <p:cNvPr id="1" name=""/>
+        <p:cNvGrpSpPr/>
+        <p:nvPr/>
+      </p:nvGrpSpPr>
+      <p:grpSpPr>
+        <a:xfrm>
+          <a:off x="0" y="0"/>
+          <a:ext cx="0" cy="0"/>
+          <a:chOff x="0" y="0"/>
+          <a:chExt cx="0" cy="0"/>
+        </a:xfrm>
+      </p:grpSpPr>
+      <p:sp>
+        <p:nvSpPr>
+          <p:cNvPr id="2" name="Заголовок 1"/>
+          <p:cNvSpPr>
+            <a:spLocks noGrp="1"/>
+          </p:cNvSpPr>
+          <p:nvPr>
+            <p:ph type="title"/>
+          </p:nvPr>
+        </p:nvSpPr>
+        <p:spPr/>
+        <p:txBody>
+          <a:bodyPr/>
+          <a:lstStyle/>
+          <a:p>
+            <a:pPr algn="just"/>
+            <a:r>
+              <a:rPr lang="ru-RU" sz="4400" dirty="0" smtClean="0">
+                <a:latin typeface="Calibri" pitchFamily="34" charset="0"/>
+              </a:rPr>
+              <a:t>Объединение профилей</a:t>
+            </a:r>
+            <a:endParaRPr lang="ru-RU" sz="4400" dirty="0">
+              <a:latin typeface="Calibri" pitchFamily="34" charset="0"/>
+            </a:endParaRPr>
+          </a:p>
+        </p:txBody>
+      </p:sp>
+      <mc:AlternateContent xmlns:mc="http://schemas.openxmlformats.org/markup-compatibility/2006">
+        <mc:Choice xmlns:a14="http://schemas.microsoft.com/office/drawing/2010/main" Requires="a14">
+          <p:sp>
+            <p:nvSpPr>
+              <p:cNvPr id="7" name="TextBox 6"/>
+              <p:cNvSpPr txBox="1"/>
+              <p:nvPr/>
+            </p:nvSpPr>
+            <p:spPr>
+              <a:xfrm>
+                <a:off x="9336360" y="2200796"/>
+                <a:ext cx="3312368" cy="2308324"/>
+              </a:xfrm>
+              <a:prstGeom prst="rect">
+                <a:avLst/>
+              </a:prstGeom>
+              <a:noFill/>
+            </p:spPr>
+            <p:txBody>
+              <a:bodyPr wrap="square" rtlCol="0">
+                <a:spAutoFit/>
+              </a:bodyPr>
+              <a:lstStyle/>
+              <a:p>
+                <a:r>
+                  <a:rPr lang="en-US" dirty="0" smtClean="0"/>
+                  <a:t>struct Profile {</a:t>
+                </a:r>
+              </a:p>
+              <a:p>
+                <a:r>
+                  <a:rPr lang="en-US" dirty="0"/>
+                  <a:t> </a:t>
+                </a:r>
+                <a:r>
+                  <a:rPr lang="en-US" dirty="0" err="1" smtClean="0"/>
+                  <a:t>std</a:t>
+                </a:r>
+                <a:r>
+                  <a:rPr lang="en-US" dirty="0" smtClean="0"/>
+                  <a:t>::vector&lt;</a:t>
+                </a:r>
+                <a:r>
+                  <a:rPr lang="en-US" dirty="0" err="1" smtClean="0"/>
+                  <a:t>BioSeq</a:t>
+                </a:r>
+                <a:r>
+                  <a:rPr lang="en-US" dirty="0" smtClean="0"/>
+                  <a:t>*&gt; sequences;</a:t>
+                </a:r>
+              </a:p>
+              <a:p>
+                <a:r>
+                  <a:rPr lang="en-US" dirty="0"/>
+                  <a:t> </a:t>
+                </a:r>
+                <a:r>
+                  <a:rPr lang="en-US" dirty="0" smtClean="0"/>
+                  <a:t> …</a:t>
+                </a:r>
+              </a:p>
+              <a:p>
+                <a:r>
+                  <a:rPr lang="en-US" dirty="0" smtClean="0"/>
+                  <a:t>};</a:t>
+                </a:r>
+              </a:p>
+              <a:p>
+                <a:endParaRPr lang="en-US" dirty="0"/>
+              </a:p>
+              <a:p>
+                <a14:m>
+                  <m:oMath xmlns:m="http://schemas.openxmlformats.org/officeDocument/2006/math">
+                    <m:r>
+                      <a:rPr lang="en-US" b="0" i="1" smtClean="0">
+                        <a:latin typeface="Cambria Math"/>
+                      </a:rPr>
+                      <m:t>𝑛𝑒𝑤</m:t>
+                    </m:r>
+                    <m:r>
+                      <a:rPr lang="en-US" b="0" i="1" smtClean="0">
+                        <a:latin typeface="Cambria Math"/>
+                      </a:rPr>
+                      <m:t>_</m:t>
+                    </m:r>
+                    <m:r>
+                      <a:rPr lang="en-US" b="0" i="1" smtClean="0">
+                        <a:latin typeface="Cambria Math"/>
+                      </a:rPr>
+                      <m:t>𝑝𝑟𝑜𝑓𝑖𝑙𝑒</m:t>
+                    </m:r>
+                  </m:oMath>
+                </a14:m>
+                <a:r>
+                  <a:rPr lang="en-US" dirty="0" smtClean="0"/>
+                  <a:t> </a:t>
+                </a:r>
+                <a14:m>
+                  <m:oMath xmlns:m="http://schemas.openxmlformats.org/officeDocument/2006/math">
+                    <m:r>
+                      <a:rPr lang="en-US" b="0" i="1" dirty="0" smtClean="0">
+                        <a:latin typeface="Cambria Math"/>
+                      </a:rPr>
+                      <m:t>=</m:t>
+                    </m:r>
+                  </m:oMath>
+                </a14:m>
+                <a:endParaRPr lang="en-US" b="0" i="1" dirty="0" smtClean="0">
+                  <a:latin typeface="Cambria Math"/>
+                </a:endParaRPr>
+              </a:p>
+              <a:p>
+                <a14:m>
+                  <m:oMathPara xmlns:m="http://schemas.openxmlformats.org/officeDocument/2006/math">
+                    <m:oMathParaPr>
+                      <m:jc m:val="centerGroup"/>
+                    </m:oMathParaPr>
+                    <m:oMath xmlns:m="http://schemas.openxmlformats.org/officeDocument/2006/math">
+                      <m:r>
+                        <a:rPr lang="en-US" b="0" i="1" dirty="0" smtClean="0">
+                          <a:latin typeface="Cambria Math"/>
+                        </a:rPr>
+                        <m:t>𝑝𝑟𝑜𝑓𝑖𝑙𝑒</m:t>
+                      </m:r>
+                      <m:r>
+                        <a:rPr lang="en-US" b="0" i="1" dirty="0" smtClean="0">
+                          <a:latin typeface="Cambria Math"/>
+                        </a:rPr>
+                        <m:t>1+</m:t>
+                      </m:r>
+                      <m:r>
+                        <a:rPr lang="en-US" b="0" i="1" dirty="0" smtClean="0">
+                          <a:latin typeface="Cambria Math"/>
+                        </a:rPr>
+                        <m:t>𝑝𝑟𝑜𝑓𝑖𝑙𝑒</m:t>
+                      </m:r>
+                      <m:r>
+                        <a:rPr lang="en-US" b="0" i="1" dirty="0" smtClean="0">
+                          <a:latin typeface="Cambria Math"/>
+                        </a:rPr>
+                        <m:t>2</m:t>
+                      </m:r>
+                    </m:oMath>
+                  </m:oMathPara>
+                </a14:m>
+                <a:endParaRPr lang="ru-RU" dirty="0"/>
+              </a:p>
+            </p:txBody>
+          </p:sp>
+        </mc:Choice>
+        <mc:Fallback>
+          <p:sp>
+            <p:nvSpPr>
+              <p:cNvPr id="7" name="TextBox 6"/>
+              <p:cNvSpPr txBox="1">
+                <a:spLocks noRot="1" noChangeAspect="1" noMove="1" noResize="1" noEditPoints="1" noAdjustHandles="1" noChangeArrowheads="1" noChangeShapeType="1" noTextEdit="1"/>
+              </p:cNvSpPr>
+              <p:nvPr/>
+            </p:nvSpPr>
+            <p:spPr>
+              <a:xfrm>
+                <a:off x="9336360" y="2200796"/>
+                <a:ext cx="3312368" cy="2308324"/>
+              </a:xfrm>
+              <a:prstGeom prst="rect">
+                <a:avLst/>
+              </a:prstGeom>
+              <a:blipFill rotWithShape="1">
+                <a:blip r:embed="rId2"/>
+                <a:stretch>
+                  <a:fillRect l="-1657" t="-1319" b="-1319"/>
+                </a:stretch>
+              </a:blipFill>
+            </p:spPr>
+            <p:txBody>
+              <a:bodyPr/>
+              <a:lstStyle/>
+              <a:p>
+                <a:r>
+                  <a:rPr lang="ru-RU">
+                    <a:noFill/>
+                  </a:rPr>
+                  <a:t> </a:t>
+                </a:r>
+              </a:p>
+            </p:txBody>
+          </p:sp>
+        </mc:Fallback>
+      </mc:AlternateContent>
+      <p:pic>
+        <p:nvPicPr>
+          <p:cNvPr id="3074" name="Picture 2" descr="C:\Users\Pavel\Pictures\table.PNG"/>
+          <p:cNvPicPr>
+            <a:picLocks noChangeAspect="1" noChangeArrowheads="1"/>
+          </p:cNvPicPr>
+          <p:nvPr/>
+        </p:nvPicPr>
+        <p:blipFill>
+          <a:blip r:embed="rId3">
+            <a:extLst>
+              <a:ext uri="{28A0092B-C50C-407E-A947-70E740481C1C}">
+                <a14:useLocalDpi xmlns:a14="http://schemas.microsoft.com/office/drawing/2010/main" val="0"/>
+              </a:ext>
+            </a:extLst>
+          </a:blip>
+          <a:srcRect/>
+          <a:stretch>
+            <a:fillRect/>
+          </a:stretch>
+        </p:blipFill>
+        <p:spPr bwMode="auto">
+          <a:xfrm>
+            <a:off x="336307" y="1556792"/>
+            <a:ext cx="8685213" cy="4410075"/>
+          </a:xfrm>
+          <a:prstGeom prst="rect">
+            <a:avLst/>
+          </a:prstGeom>
+          <a:noFill/>
+          <a:extLst>
+            <a:ext uri="{909E8E84-426E-40DD-AFC4-6F175D3DCCD1}">
+              <a14:hiddenFill xmlns:a14="http://schemas.microsoft.com/office/drawing/2010/main">
+                <a:solidFill>
+                  <a:srgbClr val="FFFFFF"/>
+                </a:solidFill>
+              </a14:hiddenFill>
+            </a:ext>
+          </a:extLst>
+        </p:spPr>
+      </p:pic>
+    </p:spTree>
+    <p:extLst>
+      <p:ext uri="{BB962C8B-B14F-4D97-AF65-F5344CB8AC3E}">
+        <p14:creationId xmlns:p14="http://schemas.microsoft.com/office/powerpoint/2010/main" val="2120765580"/>
+      </p:ext>
+    </p:extLst>
+  </p:cSld>
+  <p:clrMapOvr>
+    <a:masterClrMapping/>
+  </p:clrMapOvr>
+  <p:transition spd="slow">
+    <p:push dir="u"/>
+  </p:transition>
+  <p:timing>
+    <p:tnLst>
+      <p:par>
+        <p:cTn id="1" dur="indefinite" restart="never" nodeType="tmRoot"/>
+      </p:par>
+    </p:tnLst>
+  </p:timing>
+</p:sld>
+</file>
+
+<file path=ppt/slides/slide18.xml><?xml version="1.0" encoding="utf-8"?>
+<p:sld xmlns:a="http://schemas.openxmlformats.org/drawingml/2006/main" xmlns:r="http://schemas.openxmlformats.org/officeDocument/2006/relationships" xmlns:p="http://schemas.openxmlformats.org/presentationml/2006/main">
+  <p:cSld>
+    <p:spTree>
+      <p:nvGrpSpPr>
+        <p:cNvPr id="1" name=""/>
+        <p:cNvGrpSpPr/>
+        <p:nvPr/>
+      </p:nvGrpSpPr>
+      <p:grpSpPr>
+        <a:xfrm>
+          <a:off x="0" y="0"/>
+          <a:ext cx="0" cy="0"/>
+          <a:chOff x="0" y="0"/>
+          <a:chExt cx="0" cy="0"/>
+        </a:xfrm>
+      </p:grpSpPr>
+      <p:sp>
+        <p:nvSpPr>
+          <p:cNvPr id="4" name="Текст 3"/>
+          <p:cNvSpPr>
+            <a:spLocks noGrp="1"/>
+          </p:cNvSpPr>
+          <p:nvPr>
+            <p:ph type="body"/>
+          </p:nvPr>
+        </p:nvSpPr>
+        <p:spPr>
+          <a:xfrm>
+            <a:off x="839416" y="1628800"/>
+            <a:ext cx="10946552" cy="4350960"/>
+          </a:xfrm>
+        </p:spPr>
+        <p:txBody>
+          <a:bodyPr/>
+          <a:lstStyle/>
+          <a:p>
+            <a:r>
+              <a:rPr lang="en-US" sz="2000" dirty="0" smtClean="0"/>
+              <a:t>MACSE</a:t>
+            </a:r>
+            <a:endParaRPr lang="ru-RU" sz="2000" dirty="0" smtClean="0">
+              <a:effectLst/>
+            </a:endParaRPr>
+          </a:p>
+          <a:p>
+            <a:r>
+              <a:rPr lang="en-US" sz="1400" dirty="0" smtClean="0">
+                <a:effectLst/>
+              </a:rPr>
+              <a:t>&gt;Gorilla </a:t>
+            </a:r>
+          </a:p>
+          <a:p>
+            <a:r>
+              <a:rPr lang="en-US" sz="1400" dirty="0" smtClean="0">
+                <a:effectLst/>
+              </a:rPr>
+              <a:t>ATGGGCTGTGTGCAATGTAAGGATAAAGAA---GCAACAAAACTGACGGAGGAGAGGGACGGCAGCCTGAACCAGAGCTCTGGG!TA </a:t>
+            </a:r>
+          </a:p>
+          <a:p>
+            <a:r>
+              <a:rPr lang="en-US" sz="1400" dirty="0" smtClean="0">
+                <a:effectLst/>
+              </a:rPr>
+              <a:t>&gt;</a:t>
+            </a:r>
+            <a:r>
+              <a:rPr lang="en-US" sz="1400" dirty="0" err="1" smtClean="0">
+                <a:effectLst/>
+              </a:rPr>
+              <a:t>Otolemur</a:t>
+            </a:r>
+            <a:r>
+              <a:rPr lang="en-US" sz="1400" dirty="0" smtClean="0">
+                <a:effectLst/>
+              </a:rPr>
+              <a:t> </a:t>
+            </a:r>
+          </a:p>
+          <a:p>
+            <a:r>
+              <a:rPr lang="en-US" sz="1400" dirty="0" smtClean="0">
+                <a:effectLst/>
+              </a:rPr>
+              <a:t>ATGGGCTGTGTGCAATGTAAGGATAAAGAA---GCAACAAAACTGACGGAGGAGCGGGACGGCAGCCTGAACCAGAGCTCCGGG!TA </a:t>
+            </a:r>
+          </a:p>
+          <a:p>
+            <a:r>
+              <a:rPr lang="en-US" sz="1400" dirty="0" smtClean="0">
+                <a:effectLst/>
+              </a:rPr>
+              <a:t>&gt;</a:t>
+            </a:r>
+            <a:r>
+              <a:rPr lang="en-US" sz="1400" dirty="0" err="1" smtClean="0">
+                <a:effectLst/>
+              </a:rPr>
+              <a:t>Equus</a:t>
+            </a:r>
+            <a:r>
+              <a:rPr lang="en-US" sz="1400" dirty="0" smtClean="0">
+                <a:effectLst/>
+              </a:rPr>
+              <a:t> </a:t>
+            </a:r>
+          </a:p>
+          <a:p>
+            <a:r>
+              <a:rPr lang="en-US" sz="1400" dirty="0" smtClean="0">
+                <a:effectLst/>
+              </a:rPr>
+              <a:t>ATGGGCTGTGTGCAATGTAAGGATAAAGAA---GCAACAAAACTGACAGAGGAGAGGGACGGCAGCCTGAACCAGAGCTCCGGG!TA </a:t>
+            </a:r>
+          </a:p>
+          <a:p>
+            <a:pPr algn="l"/>
+            <a:endParaRPr lang="en-US" sz="1400" dirty="0" smtClean="0">
+              <a:latin typeface="Calibri" pitchFamily="34" charset="0"/>
+            </a:endParaRPr>
+          </a:p>
+          <a:p>
+            <a:pPr algn="l"/>
+            <a:r>
+              <a:rPr lang="ru-RU" sz="2000" dirty="0" smtClean="0">
+                <a:latin typeface="Calibri" pitchFamily="34" charset="0"/>
+              </a:rPr>
+              <a:t>Свой вариант выравнивания</a:t>
+            </a:r>
+          </a:p>
+          <a:p>
+            <a:pPr algn="l"/>
+            <a:r>
+              <a:rPr lang="en-US" sz="1400" dirty="0" smtClean="0">
+                <a:effectLst/>
+              </a:rPr>
+              <a:t>&gt;Gorilla</a:t>
+            </a:r>
+            <a:endParaRPr lang="ru-RU" sz="1400" dirty="0" smtClean="0">
+              <a:latin typeface="Calibri" pitchFamily="34" charset="0"/>
+            </a:endParaRPr>
+          </a:p>
+          <a:p>
+            <a:r>
+              <a:rPr lang="en-US" sz="1400" dirty="0" smtClean="0">
+                <a:effectLst/>
+              </a:rPr>
+              <a:t>ATGGGCTGTGTGCAATGTAAGGATAAAGAAGCAACAAAACTGACGGAGGAGAGGGACGGCAGCCTGAACCAGAGCTCTGGG-TA</a:t>
+            </a:r>
+            <a:endParaRPr lang="ru-RU" sz="1400" dirty="0" smtClean="0">
+              <a:effectLst/>
+            </a:endParaRPr>
+          </a:p>
+          <a:p>
+            <a:r>
+              <a:rPr lang="en-US" sz="1400" dirty="0" smtClean="0">
+                <a:effectLst/>
+              </a:rPr>
+              <a:t>&gt;</a:t>
+            </a:r>
+            <a:r>
+              <a:rPr lang="en-US" sz="1400" dirty="0" err="1" smtClean="0">
+                <a:effectLst/>
+              </a:rPr>
+              <a:t>Otolemur</a:t>
+            </a:r>
+            <a:endParaRPr lang="en-US" sz="1400" dirty="0" smtClean="0">
+              <a:effectLst/>
+            </a:endParaRPr>
+          </a:p>
+          <a:p>
+            <a:r>
+              <a:rPr lang="en-US" sz="1400" dirty="0" smtClean="0">
+                <a:effectLst/>
+              </a:rPr>
+              <a:t>ATGGGCTGTGTGCAATGTAAGGATAAAGAAGCAACAAAACTGACGGAGGAGCGGGACGGCAGCCTGAACCAGAGCTCCGGG-TA</a:t>
+            </a:r>
+            <a:endParaRPr lang="ru-RU" sz="1400" dirty="0" smtClean="0">
+              <a:effectLst/>
+            </a:endParaRPr>
+          </a:p>
+          <a:p>
+            <a:r>
+              <a:rPr lang="en-US" sz="1400" dirty="0" smtClean="0">
+                <a:effectLst/>
+              </a:rPr>
+              <a:t>&gt;</a:t>
+            </a:r>
+            <a:r>
+              <a:rPr lang="en-US" sz="1400" dirty="0" err="1" smtClean="0">
+                <a:effectLst/>
+              </a:rPr>
+              <a:t>Equus</a:t>
+            </a:r>
+            <a:endParaRPr lang="en-US" sz="1400" dirty="0" smtClean="0">
+              <a:effectLst/>
+            </a:endParaRPr>
+          </a:p>
+          <a:p>
+            <a:r>
+              <a:rPr lang="en-US" sz="1400" dirty="0" smtClean="0">
+                <a:effectLst/>
+              </a:rPr>
+              <a:t>ATGGGCTGTGTGCAATGTAAGGATAAAGAAGCAACAAAACTGACAGAGGAGAGGGACGGCAGCCTGAACCAGAGCTCCGGG-TA</a:t>
+            </a:r>
+          </a:p>
+          <a:p>
+            <a:pPr algn="l"/>
+            <a:endParaRPr lang="ru-RU" sz="1400" dirty="0">
+              <a:latin typeface="Calibri" pitchFamily="34" charset="0"/>
+            </a:endParaRPr>
+          </a:p>
+        </p:txBody>
+      </p:sp>
+      <p:sp>
+        <p:nvSpPr>
+          <p:cNvPr id="5" name="Текст 4"/>
+          <p:cNvSpPr>
+            <a:spLocks noGrp="1"/>
+          </p:cNvSpPr>
+          <p:nvPr>
+            <p:ph type="body"/>
+          </p:nvPr>
+        </p:nvSpPr>
+        <p:spPr/>
+        <p:txBody>
+          <a:bodyPr/>
+          <a:lstStyle/>
+          <a:p>
+            <a:pPr algn="ctr"/>
+            <a:endParaRPr lang="ru-RU" sz="2800" dirty="0">
+              <a:latin typeface="Calibri" pitchFamily="34" charset="0"/>
+            </a:endParaRPr>
+          </a:p>
+          <a:p>
+            <a:pPr algn="ctr"/>
+            <a:endParaRPr lang="ru-RU" sz="2800" dirty="0">
+              <a:latin typeface="Calibri" pitchFamily="34" charset="0"/>
+            </a:endParaRPr>
+          </a:p>
+        </p:txBody>
+      </p:sp>
+      <p:sp>
+        <p:nvSpPr>
+          <p:cNvPr id="2" name="Заголовок 1"/>
+          <p:cNvSpPr>
+            <a:spLocks noGrp="1"/>
+          </p:cNvSpPr>
+          <p:nvPr>
+            <p:ph type="title"/>
+          </p:nvPr>
+        </p:nvSpPr>
+        <p:spPr/>
+        <p:txBody>
+          <a:bodyPr/>
+          <a:lstStyle/>
+          <a:p>
+            <a:r>
+              <a:rPr lang="ru-RU" sz="4400" dirty="0" smtClean="0">
+                <a:latin typeface="Calibri" pitchFamily="34" charset="0"/>
+              </a:rPr>
+              <a:t>Тестирование</a:t>
+            </a:r>
+            <a:endParaRPr lang="ru-RU" sz="4400" dirty="0">
+              <a:latin typeface="Calibri" pitchFamily="34" charset="0"/>
+            </a:endParaRPr>
+          </a:p>
+        </p:txBody>
+      </p:sp>
+    </p:spTree>
+    <p:extLst>
+      <p:ext uri="{BB962C8B-B14F-4D97-AF65-F5344CB8AC3E}">
+        <p14:creationId xmlns:p14="http://schemas.microsoft.com/office/powerpoint/2010/main" val="4185866449"/>
+      </p:ext>
+    </p:extLst>
+  </p:cSld>
+  <p:clrMapOvr>
+    <a:masterClrMapping/>
+  </p:clrMapOvr>
   <p:timing>
     <p:tnLst>
       <p:par>
@@ -5781,31 +8159,6 @@
       </p:grpSpPr>
       <p:sp>
         <p:nvSpPr>
-          <p:cNvPr id="2" name="Заголовок 1"/>
-          <p:cNvSpPr>
-            <a:spLocks noGrp="1"/>
-          </p:cNvSpPr>
-          <p:nvPr>
-            <p:ph type="title"/>
-          </p:nvPr>
-        </p:nvSpPr>
-        <p:spPr/>
-        <p:txBody>
-          <a:bodyPr/>
-          <a:lstStyle/>
-          <a:p>
-            <a:r>
-              <a:rPr lang="ru-RU" sz="4400" dirty="0" smtClean="0">
-                <a:latin typeface="Calibri" pitchFamily="34" charset="0"/>
-              </a:rPr>
-              <a:t>Классические методы поиска гомологий</a:t>
-            </a:r>
-            <a:endParaRPr lang="ru-RU" sz="4400" dirty="0"/>
-          </a:p>
-        </p:txBody>
-      </p:sp>
-      <p:sp>
-        <p:nvSpPr>
           <p:cNvPr id="3" name="Текст 2"/>
           <p:cNvSpPr>
             <a:spLocks noGrp="1"/>
@@ -6042,6 +8395,31 @@
           </a:p>
           <a:p>
             <a:endParaRPr lang="ru-RU" sz="2800" dirty="0"/>
+          </a:p>
+        </p:txBody>
+      </p:sp>
+      <p:sp>
+        <p:nvSpPr>
+          <p:cNvPr id="2" name="Заголовок 1"/>
+          <p:cNvSpPr>
+            <a:spLocks noGrp="1"/>
+          </p:cNvSpPr>
+          <p:nvPr>
+            <p:ph type="title"/>
+          </p:nvPr>
+        </p:nvSpPr>
+        <p:spPr/>
+        <p:txBody>
+          <a:bodyPr/>
+          <a:lstStyle/>
+          <a:p>
+            <a:r>
+              <a:rPr lang="ru-RU" sz="4400" dirty="0" smtClean="0">
+                <a:latin typeface="Calibri" pitchFamily="34" charset="0"/>
+              </a:rPr>
+              <a:t>Классические методы поиска гомологий</a:t>
+            </a:r>
+            <a:endParaRPr lang="ru-RU" sz="4400" dirty="0"/>
           </a:p>
         </p:txBody>
       </p:sp>
@@ -6310,13 +8688,7 @@
               <a:rPr lang="ru-RU" sz="2800" dirty="0" smtClean="0">
                 <a:latin typeface="Calibri" pitchFamily="34" charset="0"/>
               </a:rPr>
-              <a:t>Линейный </a:t>
-            </a:r>
-            <a:r>
-              <a:rPr lang="ru-RU" sz="2800" dirty="0" smtClean="0">
-                <a:latin typeface="Calibri" pitchFamily="34" charset="0"/>
-              </a:rPr>
-              <a:t>штраф за разрыв </a:t>
+              <a:t>Линейный штраф за разрыв </a:t>
             </a:r>
             <a:r>
               <a:rPr lang="en-US" sz="2800" dirty="0" smtClean="0">
@@ -6337,13 +8709,7 @@
               <a:rPr lang="ru-RU" sz="2800" dirty="0" smtClean="0">
                 <a:latin typeface="Calibri" pitchFamily="34" charset="0"/>
               </a:rPr>
-              <a:t>Базис</a:t>
-            </a:r>
-            <a:r>
-              <a:rPr lang="ru-RU" sz="2800" dirty="0" smtClean="0">
-                <a:latin typeface="Calibri" pitchFamily="34" charset="0"/>
-              </a:rPr>
-              <a:t>:</a:t>
+              <a:t>Базис:</a:t>
             </a:r>
           </a:p>
           <a:p>
